--- a/UTS/Knuth-Morris-Pratt Algorithm.pptx
+++ b/UTS/Knuth-Morris-Pratt Algorithm.pptx
@@ -18,7 +18,21 @@
     <p:sldId id="266" r:id="rId12"/>
     <p:sldId id="267" r:id="rId13"/>
     <p:sldId id="268" r:id="rId14"/>
-    <p:sldId id="269" r:id="rId15"/>
+    <p:sldId id="270" r:id="rId15"/>
+    <p:sldId id="271" r:id="rId16"/>
+    <p:sldId id="272" r:id="rId17"/>
+    <p:sldId id="273" r:id="rId18"/>
+    <p:sldId id="274" r:id="rId19"/>
+    <p:sldId id="275" r:id="rId20"/>
+    <p:sldId id="276" r:id="rId21"/>
+    <p:sldId id="278" r:id="rId22"/>
+    <p:sldId id="277" r:id="rId23"/>
+    <p:sldId id="279" r:id="rId24"/>
+    <p:sldId id="280" r:id="rId25"/>
+    <p:sldId id="281" r:id="rId26"/>
+    <p:sldId id="282" r:id="rId27"/>
+    <p:sldId id="283" r:id="rId28"/>
+    <p:sldId id="269" r:id="rId29"/>
   </p:sldIdLst>
   <p:sldSz cx="12192000" cy="6858000"/>
   <p:notesSz cx="6858000" cy="9144000"/>
@@ -117,6 +131,11 @@
       </a:defRPr>
     </a:lvl9pPr>
   </p:defaultTextStyle>
+  <p:extLst>
+    <p:ext uri="{EFAFB233-063F-42B5-8137-9DF3F51BA10A}">
+      <p15:sldGuideLst xmlns:p15="http://schemas.microsoft.com/office/powerpoint/2012/main"/>
+    </p:ext>
+  </p:extLst>
 </p:presentation>
 </file>
 
@@ -3652,7 +3671,7 @@
           <a:p>
             <a:fld id="{BB694F40-9C18-478E-AE2C-07D56B103751}" type="datetimeFigureOut">
               <a:rPr lang="en-ID" smtClean="0"/>
-              <a:t>21/05/2019</a:t>
+              <a:t>22/05/2019</a:t>
             </a:fld>
             <a:endParaRPr lang="en-ID"/>
           </a:p>
@@ -3852,7 +3871,7 @@
           <a:p>
             <a:fld id="{BB694F40-9C18-478E-AE2C-07D56B103751}" type="datetimeFigureOut">
               <a:rPr lang="en-ID" smtClean="0"/>
-              <a:t>21/05/2019</a:t>
+              <a:t>22/05/2019</a:t>
             </a:fld>
             <a:endParaRPr lang="en-ID"/>
           </a:p>
@@ -4062,7 +4081,7 @@
           <a:p>
             <a:fld id="{BB694F40-9C18-478E-AE2C-07D56B103751}" type="datetimeFigureOut">
               <a:rPr lang="en-ID" smtClean="0"/>
-              <a:t>21/05/2019</a:t>
+              <a:t>22/05/2019</a:t>
             </a:fld>
             <a:endParaRPr lang="en-ID"/>
           </a:p>
@@ -4262,7 +4281,7 @@
           <a:p>
             <a:fld id="{BB694F40-9C18-478E-AE2C-07D56B103751}" type="datetimeFigureOut">
               <a:rPr lang="en-ID" smtClean="0"/>
-              <a:t>21/05/2019</a:t>
+              <a:t>22/05/2019</a:t>
             </a:fld>
             <a:endParaRPr lang="en-ID"/>
           </a:p>
@@ -4538,7 +4557,7 @@
           <a:p>
             <a:fld id="{BB694F40-9C18-478E-AE2C-07D56B103751}" type="datetimeFigureOut">
               <a:rPr lang="en-ID" smtClean="0"/>
-              <a:t>21/05/2019</a:t>
+              <a:t>22/05/2019</a:t>
             </a:fld>
             <a:endParaRPr lang="en-ID"/>
           </a:p>
@@ -4806,7 +4825,7 @@
           <a:p>
             <a:fld id="{BB694F40-9C18-478E-AE2C-07D56B103751}" type="datetimeFigureOut">
               <a:rPr lang="en-ID" smtClean="0"/>
-              <a:t>21/05/2019</a:t>
+              <a:t>22/05/2019</a:t>
             </a:fld>
             <a:endParaRPr lang="en-ID"/>
           </a:p>
@@ -5221,7 +5240,7 @@
           <a:p>
             <a:fld id="{BB694F40-9C18-478E-AE2C-07D56B103751}" type="datetimeFigureOut">
               <a:rPr lang="en-ID" smtClean="0"/>
-              <a:t>21/05/2019</a:t>
+              <a:t>22/05/2019</a:t>
             </a:fld>
             <a:endParaRPr lang="en-ID"/>
           </a:p>
@@ -5363,7 +5382,7 @@
           <a:p>
             <a:fld id="{BB694F40-9C18-478E-AE2C-07D56B103751}" type="datetimeFigureOut">
               <a:rPr lang="en-ID" smtClean="0"/>
-              <a:t>21/05/2019</a:t>
+              <a:t>22/05/2019</a:t>
             </a:fld>
             <a:endParaRPr lang="en-ID"/>
           </a:p>
@@ -5476,7 +5495,7 @@
           <a:p>
             <a:fld id="{BB694F40-9C18-478E-AE2C-07D56B103751}" type="datetimeFigureOut">
               <a:rPr lang="en-ID" smtClean="0"/>
-              <a:t>21/05/2019</a:t>
+              <a:t>22/05/2019</a:t>
             </a:fld>
             <a:endParaRPr lang="en-ID"/>
           </a:p>
@@ -5789,7 +5808,7 @@
           <a:p>
             <a:fld id="{BB694F40-9C18-478E-AE2C-07D56B103751}" type="datetimeFigureOut">
               <a:rPr lang="en-ID" smtClean="0"/>
-              <a:t>21/05/2019</a:t>
+              <a:t>22/05/2019</a:t>
             </a:fld>
             <a:endParaRPr lang="en-ID"/>
           </a:p>
@@ -6078,7 +6097,7 @@
           <a:p>
             <a:fld id="{BB694F40-9C18-478E-AE2C-07D56B103751}" type="datetimeFigureOut">
               <a:rPr lang="en-ID" smtClean="0"/>
-              <a:t>21/05/2019</a:t>
+              <a:t>22/05/2019</a:t>
             </a:fld>
             <a:endParaRPr lang="en-ID"/>
           </a:p>
@@ -6321,7 +6340,7 @@
           <a:p>
             <a:fld id="{BB694F40-9C18-478E-AE2C-07D56B103751}" type="datetimeFigureOut">
               <a:rPr lang="en-ID" smtClean="0"/>
-              <a:t>21/05/2019</a:t>
+              <a:t>22/05/2019</a:t>
             </a:fld>
             <a:endParaRPr lang="en-ID"/>
           </a:p>
@@ -7925,7 +7944,23 @@
             </a:r>
             <a:r>
               <a:rPr lang="en-US" dirty="0" err="1"/>
-              <a:t>kalimat</a:t>
+              <a:t>rantai</a:t>
+            </a:r>
+            <a:r>
+              <a:rPr lang="en-US" dirty="0"/>
+              <a:t> DNA yang </a:t>
+            </a:r>
+            <a:r>
+              <a:rPr lang="en-US" dirty="0" err="1"/>
+              <a:t>berbunyi</a:t>
+            </a:r>
+            <a:r>
+              <a:rPr lang="en-US" dirty="0"/>
+              <a:t> “ACAT ACGACACAGT” </a:t>
+            </a:r>
+            <a:r>
+              <a:rPr lang="en-US" dirty="0" err="1"/>
+              <a:t>dapatkah</a:t>
             </a:r>
             <a:r>
               <a:rPr lang="en-US" dirty="0"/>
@@ -7933,43 +7968,11 @@
             </a:r>
             <a:r>
               <a:rPr lang="en-US" dirty="0" err="1"/>
-              <a:t>rancu</a:t>
+              <a:t>ditemukan</a:t>
             </a:r>
             <a:r>
               <a:rPr lang="en-US" dirty="0"/>
-              <a:t> yang </a:t>
-            </a:r>
-            <a:r>
-              <a:rPr lang="en-US" dirty="0" err="1"/>
-              <a:t>berbunyi</a:t>
-            </a:r>
-            <a:r>
-              <a:rPr lang="en-US" dirty="0"/>
-              <a:t> “INFO INFORM DIINFORMASIKAN” </a:t>
-            </a:r>
-            <a:r>
-              <a:rPr lang="en-US" dirty="0" err="1"/>
-              <a:t>dapatkah</a:t>
-            </a:r>
-            <a:r>
-              <a:rPr lang="en-US" dirty="0"/>
-              <a:t> </a:t>
-            </a:r>
-            <a:r>
-              <a:rPr lang="en-US" dirty="0" err="1"/>
-              <a:t>ditemukan</a:t>
-            </a:r>
-            <a:r>
-              <a:rPr lang="en-US" dirty="0"/>
-              <a:t> kata </a:t>
-            </a:r>
-            <a:r>
-              <a:rPr lang="en-US" dirty="0" err="1"/>
-              <a:t>formasi</a:t>
-            </a:r>
-            <a:r>
-              <a:rPr lang="en-US" dirty="0"/>
-              <a:t>, </a:t>
+              <a:t> gen “ACACAGT”, </a:t>
             </a:r>
             <a:r>
               <a:rPr lang="en-US" dirty="0" err="1"/>
@@ -8047,7 +8050,7 @@
       </p:grpSpPr>
       <p:sp>
         <p:nvSpPr>
-          <p:cNvPr id="9" name="Rectangle 8">
+          <p:cNvPr id="16" name="Rectangle 15">
             <a:extLst>
               <a:ext uri="{FF2B5EF4-FFF2-40B4-BE49-F238E27FC236}">
                 <a16:creationId xmlns:a16="http://schemas.microsoft.com/office/drawing/2014/main" id="{823AC064-BC96-4F32-8AE1-B2FD38754823}"/>
@@ -8184,6 +8187,262 @@
       </p:sp>
       <p:cxnSp>
         <p:nvCxnSpPr>
+          <p:cNvPr id="18" name="Straight Connector 17">
+            <a:extLst>
+              <a:ext uri="{FF2B5EF4-FFF2-40B4-BE49-F238E27FC236}">
+                <a16:creationId xmlns:a16="http://schemas.microsoft.com/office/drawing/2014/main" id="{7E7C77BC-7138-40B1-A15B-20F57A494629}"/>
+              </a:ext>
+              <a:ext uri="{C183D7F6-B498-43B3-948B-1728B52AA6E4}">
+                <adec:decorative xmlns:adec="http://schemas.microsoft.com/office/drawing/2017/decorative" val="1"/>
+              </a:ext>
+            </a:extLst>
+          </p:cNvPr>
+          <p:cNvCxnSpPr>
+            <a:cxnSpLocks noGrp="1" noRot="1" noChangeAspect="1" noMove="1" noResize="1" noEditPoints="1" noAdjustHandles="1" noChangeArrowheads="1" noChangeShapeType="1"/>
+          </p:cNvCxnSpPr>
+          <p:nvPr>
+            <p:extLst>
+              <p:ext uri="{386F3935-93C4-4BCD-93E2-E3B085C9AB24}">
+                <p16:designElem xmlns:p16="http://schemas.microsoft.com/office/powerpoint/2015/main" val="1"/>
+              </p:ext>
+            </p:extLst>
+          </p:nvPr>
+        </p:nvCxnSpPr>
+        <p:spPr>
+          <a:xfrm>
+            <a:off x="2209800" y="1448631"/>
+            <a:ext cx="7772400" cy="0"/>
+          </a:xfrm>
+          <a:prstGeom prst="line">
+            <a:avLst/>
+          </a:prstGeom>
+          <a:ln w="22225">
+            <a:solidFill>
+              <a:srgbClr val="D9D9D9"/>
+            </a:solidFill>
+          </a:ln>
+        </p:spPr>
+        <p:style>
+          <a:lnRef idx="1">
+            <a:schemeClr val="accent1"/>
+          </a:lnRef>
+          <a:fillRef idx="0">
+            <a:schemeClr val="accent1"/>
+          </a:fillRef>
+          <a:effectRef idx="0">
+            <a:schemeClr val="accent1"/>
+          </a:effectRef>
+          <a:fontRef idx="minor">
+            <a:schemeClr val="tx1"/>
+          </a:fontRef>
+        </p:style>
+      </p:cxnSp>
+      <p:pic>
+        <p:nvPicPr>
+          <p:cNvPr id="6" name="Content Placeholder 5">
+            <a:extLst>
+              <a:ext uri="{FF2B5EF4-FFF2-40B4-BE49-F238E27FC236}">
+                <a16:creationId xmlns:a16="http://schemas.microsoft.com/office/drawing/2014/main" id="{996F2F9B-5FB6-448F-AA3C-37F52A5CA726}"/>
+              </a:ext>
+            </a:extLst>
+          </p:cNvPr>
+          <p:cNvPicPr>
+            <a:picLocks noGrp="1" noChangeAspect="1"/>
+          </p:cNvPicPr>
+          <p:nvPr>
+            <p:ph idx="1"/>
+          </p:nvPr>
+        </p:nvPicPr>
+        <p:blipFill>
+          <a:blip r:embed="rId2"/>
+          <a:stretch>
+            <a:fillRect/>
+          </a:stretch>
+        </p:blipFill>
+        <p:spPr>
+          <a:xfrm>
+            <a:off x="1222829" y="2509911"/>
+            <a:ext cx="9691243" cy="3997637"/>
+          </a:xfrm>
+          <a:prstGeom prst="rect">
+            <a:avLst/>
+          </a:prstGeom>
+        </p:spPr>
+      </p:pic>
+    </p:spTree>
+    <p:extLst>
+      <p:ext uri="{BB962C8B-B14F-4D97-AF65-F5344CB8AC3E}">
+        <p14:creationId xmlns:p14="http://schemas.microsoft.com/office/powerpoint/2010/main" val="981065805"/>
+      </p:ext>
+    </p:extLst>
+  </p:cSld>
+  <p:clrMapOvr>
+    <a:masterClrMapping/>
+  </p:clrMapOvr>
+</p:sld>
+</file>
+
+<file path=ppt/slides/slide14.xml><?xml version="1.0" encoding="utf-8"?>
+<p:sld xmlns:a="http://schemas.openxmlformats.org/drawingml/2006/main" xmlns:r="http://schemas.openxmlformats.org/officeDocument/2006/relationships" xmlns:p="http://schemas.openxmlformats.org/presentationml/2006/main">
+  <p:cSld>
+    <p:bg>
+      <p:bgPr>
+        <a:solidFill>
+          <a:schemeClr val="bg1"/>
+        </a:solidFill>
+        <a:effectLst/>
+      </p:bgPr>
+    </p:bg>
+    <p:spTree>
+      <p:nvGrpSpPr>
+        <p:cNvPr id="1" name=""/>
+        <p:cNvGrpSpPr/>
+        <p:nvPr/>
+      </p:nvGrpSpPr>
+      <p:grpSpPr>
+        <a:xfrm>
+          <a:off x="0" y="0"/>
+          <a:ext cx="0" cy="0"/>
+          <a:chOff x="0" y="0"/>
+          <a:chExt cx="0" cy="0"/>
+        </a:xfrm>
+      </p:grpSpPr>
+      <p:sp>
+        <p:nvSpPr>
+          <p:cNvPr id="9" name="Rectangle 8">
+            <a:extLst>
+              <a:ext uri="{FF2B5EF4-FFF2-40B4-BE49-F238E27FC236}">
+                <a16:creationId xmlns:a16="http://schemas.microsoft.com/office/drawing/2014/main" id="{823AC064-BC96-4F32-8AE1-B2FD38754823}"/>
+              </a:ext>
+              <a:ext uri="{C183D7F6-B498-43B3-948B-1728B52AA6E4}">
+                <adec:decorative xmlns:adec="http://schemas.microsoft.com/office/drawing/2017/decorative" val="1"/>
+              </a:ext>
+            </a:extLst>
+          </p:cNvPr>
+          <p:cNvSpPr>
+            <a:spLocks noGrp="1" noRot="1" noChangeAspect="1" noMove="1" noResize="1" noEditPoints="1" noAdjustHandles="1" noChangeArrowheads="1" noChangeShapeType="1" noTextEdit="1"/>
+          </p:cNvSpPr>
+          <p:nvPr>
+            <p:extLst>
+              <p:ext uri="{386F3935-93C4-4BCD-93E2-E3B085C9AB24}">
+                <p16:designElem xmlns:p16="http://schemas.microsoft.com/office/powerpoint/2015/main" val="1"/>
+              </p:ext>
+            </p:extLst>
+          </p:nvPr>
+        </p:nvSpPr>
+        <p:spPr bwMode="ltGray">
+          <a:xfrm>
+            <a:off x="378068" y="343486"/>
+            <a:ext cx="11438793" cy="1844256"/>
+          </a:xfrm>
+          <a:prstGeom prst="rect">
+            <a:avLst/>
+          </a:prstGeom>
+          <a:solidFill>
+            <a:srgbClr val="404040"/>
+          </a:solidFill>
+          <a:ln w="127000" cap="sq" cmpd="thinThick">
+            <a:solidFill>
+              <a:srgbClr val="404040"/>
+            </a:solidFill>
+          </a:ln>
+        </p:spPr>
+        <p:style>
+          <a:lnRef idx="2">
+            <a:schemeClr val="accent1">
+              <a:shade val="50000"/>
+            </a:schemeClr>
+          </a:lnRef>
+          <a:fillRef idx="1">
+            <a:schemeClr val="accent1"/>
+          </a:fillRef>
+          <a:effectRef idx="0">
+            <a:schemeClr val="accent1"/>
+          </a:effectRef>
+          <a:fontRef idx="minor">
+            <a:schemeClr val="lt1"/>
+          </a:fontRef>
+        </p:style>
+        <p:txBody>
+          <a:bodyPr rtlCol="0" anchor="ctr"/>
+          <a:lstStyle/>
+          <a:p>
+            <a:pPr marL="0" marR="0" lvl="0" indent="0" algn="ctr" defTabSz="914400" rtl="0" eaLnBrk="1" fontAlgn="auto" latinLnBrk="0" hangingPunct="1">
+              <a:lnSpc>
+                <a:spcPct val="100000"/>
+              </a:lnSpc>
+              <a:spcBef>
+                <a:spcPts val="0"/>
+              </a:spcBef>
+              <a:spcAft>
+                <a:spcPts val="0"/>
+              </a:spcAft>
+              <a:buClrTx/>
+              <a:buSzTx/>
+              <a:buFontTx/>
+              <a:buNone/>
+              <a:tabLst/>
+              <a:defRPr/>
+            </a:pPr>
+            <a:endParaRPr kumimoji="0" lang="en-US" sz="1800" b="0" i="0" u="none" strike="noStrike" kern="1200" cap="none" spc="0" normalizeH="0" baseline="0" noProof="0">
+              <a:ln>
+                <a:noFill/>
+              </a:ln>
+              <a:solidFill>
+                <a:prstClr val="white"/>
+              </a:solidFill>
+              <a:effectLst/>
+              <a:uLnTx/>
+              <a:uFillTx/>
+              <a:latin typeface="Calibri" panose="020F0502020204030204"/>
+              <a:ea typeface="+mn-ea"/>
+              <a:cs typeface="+mn-cs"/>
+            </a:endParaRPr>
+          </a:p>
+        </p:txBody>
+      </p:sp>
+      <p:sp>
+        <p:nvSpPr>
+          <p:cNvPr id="2" name="Title 1">
+            <a:extLst>
+              <a:ext uri="{FF2B5EF4-FFF2-40B4-BE49-F238E27FC236}">
+                <a16:creationId xmlns:a16="http://schemas.microsoft.com/office/drawing/2014/main" id="{105618F5-DB6E-4B85-A30E-1EEF5FD5783B}"/>
+              </a:ext>
+            </a:extLst>
+          </p:cNvPr>
+          <p:cNvSpPr>
+            <a:spLocks noGrp="1"/>
+          </p:cNvSpPr>
+          <p:nvPr>
+            <p:ph type="title"/>
+          </p:nvPr>
+        </p:nvSpPr>
+        <p:spPr>
+          <a:xfrm>
+            <a:off x="526073" y="466578"/>
+            <a:ext cx="11139854" cy="930447"/>
+          </a:xfrm>
+        </p:spPr>
+        <p:txBody>
+          <a:bodyPr vert="horz" lIns="91440" tIns="45720" rIns="91440" bIns="45720" rtlCol="0" anchor="b">
+            <a:normAutofit/>
+          </a:bodyPr>
+          <a:lstStyle/>
+          <a:p>
+            <a:pPr algn="ctr"/>
+            <a:endParaRPr lang="en-US" sz="5400" kern="1200">
+              <a:solidFill>
+                <a:srgbClr val="FFFFFF"/>
+              </a:solidFill>
+              <a:latin typeface="+mj-lt"/>
+              <a:ea typeface="+mj-ea"/>
+              <a:cs typeface="+mj-cs"/>
+            </a:endParaRPr>
+          </a:p>
+        </p:txBody>
+      </p:sp>
+      <p:cxnSp>
+        <p:nvCxnSpPr>
           <p:cNvPr id="11" name="Straight Connector 10">
             <a:extLst>
               <a:ext uri="{FF2B5EF4-FFF2-40B4-BE49-F238E27FC236}">
@@ -8239,7 +8498,7 @@
           <p:cNvPr id="4" name="Content Placeholder 3">
             <a:extLst>
               <a:ext uri="{FF2B5EF4-FFF2-40B4-BE49-F238E27FC236}">
-                <a16:creationId xmlns:a16="http://schemas.microsoft.com/office/drawing/2014/main" id="{D5FB34F7-E990-4694-AFD1-D1D917BC0852}"/>
+                <a16:creationId xmlns:a16="http://schemas.microsoft.com/office/drawing/2014/main" id="{9A814D82-85A2-404E-AFDC-E1A6C2EF7E20}"/>
               </a:ext>
             </a:extLst>
           </p:cNvPr>
@@ -8258,8 +8517,8 @@
         </p:blipFill>
         <p:spPr>
           <a:xfrm>
-            <a:off x="2831497" y="2509911"/>
-            <a:ext cx="6473906" cy="3997637"/>
+            <a:off x="2400894" y="2509911"/>
+            <a:ext cx="7335113" cy="3997637"/>
           </a:xfrm>
           <a:prstGeom prst="rect">
             <a:avLst/>
@@ -8269,7 +8528,7 @@
     </p:spTree>
     <p:extLst>
       <p:ext uri="{BB962C8B-B14F-4D97-AF65-F5344CB8AC3E}">
-        <p14:creationId xmlns:p14="http://schemas.microsoft.com/office/powerpoint/2010/main" val="981065805"/>
+        <p14:creationId xmlns:p14="http://schemas.microsoft.com/office/powerpoint/2010/main" val="3222529880"/>
       </p:ext>
     </p:extLst>
   </p:cSld>
@@ -8279,7 +8538,3384 @@
 </p:sld>
 </file>
 
-<file path=ppt/slides/slide14.xml><?xml version="1.0" encoding="utf-8"?>
+<file path=ppt/slides/slide15.xml><?xml version="1.0" encoding="utf-8"?>
+<p:sld xmlns:a="http://schemas.openxmlformats.org/drawingml/2006/main" xmlns:r="http://schemas.openxmlformats.org/officeDocument/2006/relationships" xmlns:p="http://schemas.openxmlformats.org/presentationml/2006/main">
+  <p:cSld>
+    <p:bg>
+      <p:bgPr>
+        <a:solidFill>
+          <a:schemeClr val="bg1"/>
+        </a:solidFill>
+        <a:effectLst/>
+      </p:bgPr>
+    </p:bg>
+    <p:spTree>
+      <p:nvGrpSpPr>
+        <p:cNvPr id="1" name=""/>
+        <p:cNvGrpSpPr/>
+        <p:nvPr/>
+      </p:nvGrpSpPr>
+      <p:grpSpPr>
+        <a:xfrm>
+          <a:off x="0" y="0"/>
+          <a:ext cx="0" cy="0"/>
+          <a:chOff x="0" y="0"/>
+          <a:chExt cx="0" cy="0"/>
+        </a:xfrm>
+      </p:grpSpPr>
+      <p:sp>
+        <p:nvSpPr>
+          <p:cNvPr id="9" name="Rectangle 8">
+            <a:extLst>
+              <a:ext uri="{FF2B5EF4-FFF2-40B4-BE49-F238E27FC236}">
+                <a16:creationId xmlns:a16="http://schemas.microsoft.com/office/drawing/2014/main" id="{823AC064-BC96-4F32-8AE1-B2FD38754823}"/>
+              </a:ext>
+              <a:ext uri="{C183D7F6-B498-43B3-948B-1728B52AA6E4}">
+                <adec:decorative xmlns:adec="http://schemas.microsoft.com/office/drawing/2017/decorative" val="1"/>
+              </a:ext>
+            </a:extLst>
+          </p:cNvPr>
+          <p:cNvSpPr>
+            <a:spLocks noGrp="1" noRot="1" noChangeAspect="1" noMove="1" noResize="1" noEditPoints="1" noAdjustHandles="1" noChangeArrowheads="1" noChangeShapeType="1" noTextEdit="1"/>
+          </p:cNvSpPr>
+          <p:nvPr>
+            <p:extLst>
+              <p:ext uri="{386F3935-93C4-4BCD-93E2-E3B085C9AB24}">
+                <p16:designElem xmlns:p16="http://schemas.microsoft.com/office/powerpoint/2015/main" val="1"/>
+              </p:ext>
+            </p:extLst>
+          </p:nvPr>
+        </p:nvSpPr>
+        <p:spPr bwMode="ltGray">
+          <a:xfrm>
+            <a:off x="378068" y="343486"/>
+            <a:ext cx="11438793" cy="1844256"/>
+          </a:xfrm>
+          <a:prstGeom prst="rect">
+            <a:avLst/>
+          </a:prstGeom>
+          <a:solidFill>
+            <a:srgbClr val="404040"/>
+          </a:solidFill>
+          <a:ln w="127000" cap="sq" cmpd="thinThick">
+            <a:solidFill>
+              <a:srgbClr val="404040"/>
+            </a:solidFill>
+          </a:ln>
+        </p:spPr>
+        <p:style>
+          <a:lnRef idx="2">
+            <a:schemeClr val="accent1">
+              <a:shade val="50000"/>
+            </a:schemeClr>
+          </a:lnRef>
+          <a:fillRef idx="1">
+            <a:schemeClr val="accent1"/>
+          </a:fillRef>
+          <a:effectRef idx="0">
+            <a:schemeClr val="accent1"/>
+          </a:effectRef>
+          <a:fontRef idx="minor">
+            <a:schemeClr val="lt1"/>
+          </a:fontRef>
+        </p:style>
+        <p:txBody>
+          <a:bodyPr rtlCol="0" anchor="ctr"/>
+          <a:lstStyle/>
+          <a:p>
+            <a:pPr marL="0" marR="0" lvl="0" indent="0" algn="ctr" defTabSz="914400" rtl="0" eaLnBrk="1" fontAlgn="auto" latinLnBrk="0" hangingPunct="1">
+              <a:lnSpc>
+                <a:spcPct val="100000"/>
+              </a:lnSpc>
+              <a:spcBef>
+                <a:spcPts val="0"/>
+              </a:spcBef>
+              <a:spcAft>
+                <a:spcPts val="0"/>
+              </a:spcAft>
+              <a:buClrTx/>
+              <a:buSzTx/>
+              <a:buFontTx/>
+              <a:buNone/>
+              <a:tabLst/>
+              <a:defRPr/>
+            </a:pPr>
+            <a:endParaRPr kumimoji="0" lang="en-US" sz="1800" b="0" i="0" u="none" strike="noStrike" kern="1200" cap="none" spc="0" normalizeH="0" baseline="0" noProof="0">
+              <a:ln>
+                <a:noFill/>
+              </a:ln>
+              <a:solidFill>
+                <a:prstClr val="white"/>
+              </a:solidFill>
+              <a:effectLst/>
+              <a:uLnTx/>
+              <a:uFillTx/>
+              <a:latin typeface="Calibri" panose="020F0502020204030204"/>
+              <a:ea typeface="+mn-ea"/>
+              <a:cs typeface="+mn-cs"/>
+            </a:endParaRPr>
+          </a:p>
+        </p:txBody>
+      </p:sp>
+      <p:sp>
+        <p:nvSpPr>
+          <p:cNvPr id="2" name="Title 1">
+            <a:extLst>
+              <a:ext uri="{FF2B5EF4-FFF2-40B4-BE49-F238E27FC236}">
+                <a16:creationId xmlns:a16="http://schemas.microsoft.com/office/drawing/2014/main" id="{22A20BB6-BBE8-41CE-864F-7506094B177E}"/>
+              </a:ext>
+            </a:extLst>
+          </p:cNvPr>
+          <p:cNvSpPr>
+            <a:spLocks noGrp="1"/>
+          </p:cNvSpPr>
+          <p:nvPr>
+            <p:ph type="title"/>
+          </p:nvPr>
+        </p:nvSpPr>
+        <p:spPr>
+          <a:xfrm>
+            <a:off x="526073" y="466578"/>
+            <a:ext cx="11139854" cy="930447"/>
+          </a:xfrm>
+        </p:spPr>
+        <p:txBody>
+          <a:bodyPr vert="horz" lIns="91440" tIns="45720" rIns="91440" bIns="45720" rtlCol="0" anchor="b">
+            <a:normAutofit/>
+          </a:bodyPr>
+          <a:lstStyle/>
+          <a:p>
+            <a:pPr algn="ctr"/>
+            <a:endParaRPr lang="en-US" sz="5400" kern="1200">
+              <a:solidFill>
+                <a:srgbClr val="FFFFFF"/>
+              </a:solidFill>
+              <a:latin typeface="+mj-lt"/>
+              <a:ea typeface="+mj-ea"/>
+              <a:cs typeface="+mj-cs"/>
+            </a:endParaRPr>
+          </a:p>
+        </p:txBody>
+      </p:sp>
+      <p:cxnSp>
+        <p:nvCxnSpPr>
+          <p:cNvPr id="11" name="Straight Connector 10">
+            <a:extLst>
+              <a:ext uri="{FF2B5EF4-FFF2-40B4-BE49-F238E27FC236}">
+                <a16:creationId xmlns:a16="http://schemas.microsoft.com/office/drawing/2014/main" id="{7E7C77BC-7138-40B1-A15B-20F57A494629}"/>
+              </a:ext>
+              <a:ext uri="{C183D7F6-B498-43B3-948B-1728B52AA6E4}">
+                <adec:decorative xmlns:adec="http://schemas.microsoft.com/office/drawing/2017/decorative" val="1"/>
+              </a:ext>
+            </a:extLst>
+          </p:cNvPr>
+          <p:cNvCxnSpPr>
+            <a:cxnSpLocks noGrp="1" noRot="1" noChangeAspect="1" noMove="1" noResize="1" noEditPoints="1" noAdjustHandles="1" noChangeArrowheads="1" noChangeShapeType="1"/>
+          </p:cNvCxnSpPr>
+          <p:nvPr>
+            <p:extLst>
+              <p:ext uri="{386F3935-93C4-4BCD-93E2-E3B085C9AB24}">
+                <p16:designElem xmlns:p16="http://schemas.microsoft.com/office/powerpoint/2015/main" val="1"/>
+              </p:ext>
+            </p:extLst>
+          </p:nvPr>
+        </p:nvCxnSpPr>
+        <p:spPr>
+          <a:xfrm>
+            <a:off x="2209800" y="1448631"/>
+            <a:ext cx="7772400" cy="0"/>
+          </a:xfrm>
+          <a:prstGeom prst="line">
+            <a:avLst/>
+          </a:prstGeom>
+          <a:ln w="22225">
+            <a:solidFill>
+              <a:srgbClr val="D9D9D9"/>
+            </a:solidFill>
+          </a:ln>
+        </p:spPr>
+        <p:style>
+          <a:lnRef idx="1">
+            <a:schemeClr val="accent1"/>
+          </a:lnRef>
+          <a:fillRef idx="0">
+            <a:schemeClr val="accent1"/>
+          </a:fillRef>
+          <a:effectRef idx="0">
+            <a:schemeClr val="accent1"/>
+          </a:effectRef>
+          <a:fontRef idx="minor">
+            <a:schemeClr val="tx1"/>
+          </a:fontRef>
+        </p:style>
+      </p:cxnSp>
+      <p:pic>
+        <p:nvPicPr>
+          <p:cNvPr id="4" name="Content Placeholder 3">
+            <a:extLst>
+              <a:ext uri="{FF2B5EF4-FFF2-40B4-BE49-F238E27FC236}">
+                <a16:creationId xmlns:a16="http://schemas.microsoft.com/office/drawing/2014/main" id="{14235278-23DC-48A1-A421-42E516128D5C}"/>
+              </a:ext>
+            </a:extLst>
+          </p:cNvPr>
+          <p:cNvPicPr>
+            <a:picLocks noGrp="1" noChangeAspect="1"/>
+          </p:cNvPicPr>
+          <p:nvPr>
+            <p:ph idx="1"/>
+          </p:nvPr>
+        </p:nvPicPr>
+        <p:blipFill>
+          <a:blip r:embed="rId2"/>
+          <a:stretch>
+            <a:fillRect/>
+          </a:stretch>
+        </p:blipFill>
+        <p:spPr>
+          <a:xfrm>
+            <a:off x="2434234" y="2509911"/>
+            <a:ext cx="7268432" cy="3997637"/>
+          </a:xfrm>
+          <a:prstGeom prst="rect">
+            <a:avLst/>
+          </a:prstGeom>
+        </p:spPr>
+      </p:pic>
+    </p:spTree>
+    <p:extLst>
+      <p:ext uri="{BB962C8B-B14F-4D97-AF65-F5344CB8AC3E}">
+        <p14:creationId xmlns:p14="http://schemas.microsoft.com/office/powerpoint/2010/main" val="3259309316"/>
+      </p:ext>
+    </p:extLst>
+  </p:cSld>
+  <p:clrMapOvr>
+    <a:masterClrMapping/>
+  </p:clrMapOvr>
+</p:sld>
+</file>
+
+<file path=ppt/slides/slide16.xml><?xml version="1.0" encoding="utf-8"?>
+<p:sld xmlns:a="http://schemas.openxmlformats.org/drawingml/2006/main" xmlns:r="http://schemas.openxmlformats.org/officeDocument/2006/relationships" xmlns:p="http://schemas.openxmlformats.org/presentationml/2006/main">
+  <p:cSld>
+    <p:bg>
+      <p:bgPr>
+        <a:solidFill>
+          <a:schemeClr val="bg1"/>
+        </a:solidFill>
+        <a:effectLst/>
+      </p:bgPr>
+    </p:bg>
+    <p:spTree>
+      <p:nvGrpSpPr>
+        <p:cNvPr id="1" name=""/>
+        <p:cNvGrpSpPr/>
+        <p:nvPr/>
+      </p:nvGrpSpPr>
+      <p:grpSpPr>
+        <a:xfrm>
+          <a:off x="0" y="0"/>
+          <a:ext cx="0" cy="0"/>
+          <a:chOff x="0" y="0"/>
+          <a:chExt cx="0" cy="0"/>
+        </a:xfrm>
+      </p:grpSpPr>
+      <p:sp>
+        <p:nvSpPr>
+          <p:cNvPr id="9" name="Rectangle 8">
+            <a:extLst>
+              <a:ext uri="{FF2B5EF4-FFF2-40B4-BE49-F238E27FC236}">
+                <a16:creationId xmlns:a16="http://schemas.microsoft.com/office/drawing/2014/main" id="{823AC064-BC96-4F32-8AE1-B2FD38754823}"/>
+              </a:ext>
+              <a:ext uri="{C183D7F6-B498-43B3-948B-1728B52AA6E4}">
+                <adec:decorative xmlns:adec="http://schemas.microsoft.com/office/drawing/2017/decorative" val="1"/>
+              </a:ext>
+            </a:extLst>
+          </p:cNvPr>
+          <p:cNvSpPr>
+            <a:spLocks noGrp="1" noRot="1" noChangeAspect="1" noMove="1" noResize="1" noEditPoints="1" noAdjustHandles="1" noChangeArrowheads="1" noChangeShapeType="1" noTextEdit="1"/>
+          </p:cNvSpPr>
+          <p:nvPr>
+            <p:extLst>
+              <p:ext uri="{386F3935-93C4-4BCD-93E2-E3B085C9AB24}">
+                <p16:designElem xmlns:p16="http://schemas.microsoft.com/office/powerpoint/2015/main" val="1"/>
+              </p:ext>
+            </p:extLst>
+          </p:nvPr>
+        </p:nvSpPr>
+        <p:spPr bwMode="ltGray">
+          <a:xfrm>
+            <a:off x="378068" y="343486"/>
+            <a:ext cx="11438793" cy="1844256"/>
+          </a:xfrm>
+          <a:prstGeom prst="rect">
+            <a:avLst/>
+          </a:prstGeom>
+          <a:solidFill>
+            <a:srgbClr val="404040"/>
+          </a:solidFill>
+          <a:ln w="127000" cap="sq" cmpd="thinThick">
+            <a:solidFill>
+              <a:srgbClr val="404040"/>
+            </a:solidFill>
+          </a:ln>
+        </p:spPr>
+        <p:style>
+          <a:lnRef idx="2">
+            <a:schemeClr val="accent1">
+              <a:shade val="50000"/>
+            </a:schemeClr>
+          </a:lnRef>
+          <a:fillRef idx="1">
+            <a:schemeClr val="accent1"/>
+          </a:fillRef>
+          <a:effectRef idx="0">
+            <a:schemeClr val="accent1"/>
+          </a:effectRef>
+          <a:fontRef idx="minor">
+            <a:schemeClr val="lt1"/>
+          </a:fontRef>
+        </p:style>
+        <p:txBody>
+          <a:bodyPr rtlCol="0" anchor="ctr"/>
+          <a:lstStyle/>
+          <a:p>
+            <a:pPr marL="0" marR="0" lvl="0" indent="0" algn="ctr" defTabSz="914400" rtl="0" eaLnBrk="1" fontAlgn="auto" latinLnBrk="0" hangingPunct="1">
+              <a:lnSpc>
+                <a:spcPct val="100000"/>
+              </a:lnSpc>
+              <a:spcBef>
+                <a:spcPts val="0"/>
+              </a:spcBef>
+              <a:spcAft>
+                <a:spcPts val="0"/>
+              </a:spcAft>
+              <a:buClrTx/>
+              <a:buSzTx/>
+              <a:buFontTx/>
+              <a:buNone/>
+              <a:tabLst/>
+              <a:defRPr/>
+            </a:pPr>
+            <a:endParaRPr kumimoji="0" lang="en-US" sz="1800" b="0" i="0" u="none" strike="noStrike" kern="1200" cap="none" spc="0" normalizeH="0" baseline="0" noProof="0">
+              <a:ln>
+                <a:noFill/>
+              </a:ln>
+              <a:solidFill>
+                <a:prstClr val="white"/>
+              </a:solidFill>
+              <a:effectLst/>
+              <a:uLnTx/>
+              <a:uFillTx/>
+              <a:latin typeface="Calibri" panose="020F0502020204030204"/>
+              <a:ea typeface="+mn-ea"/>
+              <a:cs typeface="+mn-cs"/>
+            </a:endParaRPr>
+          </a:p>
+        </p:txBody>
+      </p:sp>
+      <p:sp>
+        <p:nvSpPr>
+          <p:cNvPr id="2" name="Title 1">
+            <a:extLst>
+              <a:ext uri="{FF2B5EF4-FFF2-40B4-BE49-F238E27FC236}">
+                <a16:creationId xmlns:a16="http://schemas.microsoft.com/office/drawing/2014/main" id="{63B6EDF5-CCEA-4E57-B757-E53C9CB028A5}"/>
+              </a:ext>
+            </a:extLst>
+          </p:cNvPr>
+          <p:cNvSpPr>
+            <a:spLocks noGrp="1"/>
+          </p:cNvSpPr>
+          <p:nvPr>
+            <p:ph type="title"/>
+          </p:nvPr>
+        </p:nvSpPr>
+        <p:spPr>
+          <a:xfrm>
+            <a:off x="526073" y="466578"/>
+            <a:ext cx="11139854" cy="930447"/>
+          </a:xfrm>
+        </p:spPr>
+        <p:txBody>
+          <a:bodyPr vert="horz" lIns="91440" tIns="45720" rIns="91440" bIns="45720" rtlCol="0" anchor="b">
+            <a:normAutofit/>
+          </a:bodyPr>
+          <a:lstStyle/>
+          <a:p>
+            <a:pPr algn="ctr"/>
+            <a:endParaRPr lang="en-US" sz="5400" kern="1200">
+              <a:solidFill>
+                <a:srgbClr val="FFFFFF"/>
+              </a:solidFill>
+              <a:latin typeface="+mj-lt"/>
+              <a:ea typeface="+mj-ea"/>
+              <a:cs typeface="+mj-cs"/>
+            </a:endParaRPr>
+          </a:p>
+        </p:txBody>
+      </p:sp>
+      <p:cxnSp>
+        <p:nvCxnSpPr>
+          <p:cNvPr id="11" name="Straight Connector 10">
+            <a:extLst>
+              <a:ext uri="{FF2B5EF4-FFF2-40B4-BE49-F238E27FC236}">
+                <a16:creationId xmlns:a16="http://schemas.microsoft.com/office/drawing/2014/main" id="{7E7C77BC-7138-40B1-A15B-20F57A494629}"/>
+              </a:ext>
+              <a:ext uri="{C183D7F6-B498-43B3-948B-1728B52AA6E4}">
+                <adec:decorative xmlns:adec="http://schemas.microsoft.com/office/drawing/2017/decorative" val="1"/>
+              </a:ext>
+            </a:extLst>
+          </p:cNvPr>
+          <p:cNvCxnSpPr>
+            <a:cxnSpLocks noGrp="1" noRot="1" noChangeAspect="1" noMove="1" noResize="1" noEditPoints="1" noAdjustHandles="1" noChangeArrowheads="1" noChangeShapeType="1"/>
+          </p:cNvCxnSpPr>
+          <p:nvPr>
+            <p:extLst>
+              <p:ext uri="{386F3935-93C4-4BCD-93E2-E3B085C9AB24}">
+                <p16:designElem xmlns:p16="http://schemas.microsoft.com/office/powerpoint/2015/main" val="1"/>
+              </p:ext>
+            </p:extLst>
+          </p:nvPr>
+        </p:nvCxnSpPr>
+        <p:spPr>
+          <a:xfrm>
+            <a:off x="2209800" y="1448631"/>
+            <a:ext cx="7772400" cy="0"/>
+          </a:xfrm>
+          <a:prstGeom prst="line">
+            <a:avLst/>
+          </a:prstGeom>
+          <a:ln w="22225">
+            <a:solidFill>
+              <a:srgbClr val="D9D9D9"/>
+            </a:solidFill>
+          </a:ln>
+        </p:spPr>
+        <p:style>
+          <a:lnRef idx="1">
+            <a:schemeClr val="accent1"/>
+          </a:lnRef>
+          <a:fillRef idx="0">
+            <a:schemeClr val="accent1"/>
+          </a:fillRef>
+          <a:effectRef idx="0">
+            <a:schemeClr val="accent1"/>
+          </a:effectRef>
+          <a:fontRef idx="minor">
+            <a:schemeClr val="tx1"/>
+          </a:fontRef>
+        </p:style>
+      </p:cxnSp>
+      <p:pic>
+        <p:nvPicPr>
+          <p:cNvPr id="4" name="Content Placeholder 3">
+            <a:extLst>
+              <a:ext uri="{FF2B5EF4-FFF2-40B4-BE49-F238E27FC236}">
+                <a16:creationId xmlns:a16="http://schemas.microsoft.com/office/drawing/2014/main" id="{B4BBBADF-9EE9-40DC-85D2-7181D4A2690E}"/>
+              </a:ext>
+            </a:extLst>
+          </p:cNvPr>
+          <p:cNvPicPr>
+            <a:picLocks noGrp="1" noChangeAspect="1"/>
+          </p:cNvPicPr>
+          <p:nvPr>
+            <p:ph idx="1"/>
+          </p:nvPr>
+        </p:nvPicPr>
+        <p:blipFill>
+          <a:blip r:embed="rId2"/>
+          <a:stretch>
+            <a:fillRect/>
+          </a:stretch>
+        </p:blipFill>
+        <p:spPr>
+          <a:xfrm>
+            <a:off x="2483125" y="2509911"/>
+            <a:ext cx="7170651" cy="3997637"/>
+          </a:xfrm>
+          <a:prstGeom prst="rect">
+            <a:avLst/>
+          </a:prstGeom>
+        </p:spPr>
+      </p:pic>
+    </p:spTree>
+    <p:extLst>
+      <p:ext uri="{BB962C8B-B14F-4D97-AF65-F5344CB8AC3E}">
+        <p14:creationId xmlns:p14="http://schemas.microsoft.com/office/powerpoint/2010/main" val="3056161746"/>
+      </p:ext>
+    </p:extLst>
+  </p:cSld>
+  <p:clrMapOvr>
+    <a:masterClrMapping/>
+  </p:clrMapOvr>
+</p:sld>
+</file>
+
+<file path=ppt/slides/slide17.xml><?xml version="1.0" encoding="utf-8"?>
+<p:sld xmlns:a="http://schemas.openxmlformats.org/drawingml/2006/main" xmlns:r="http://schemas.openxmlformats.org/officeDocument/2006/relationships" xmlns:p="http://schemas.openxmlformats.org/presentationml/2006/main">
+  <p:cSld>
+    <p:bg>
+      <p:bgPr>
+        <a:solidFill>
+          <a:schemeClr val="bg1"/>
+        </a:solidFill>
+        <a:effectLst/>
+      </p:bgPr>
+    </p:bg>
+    <p:spTree>
+      <p:nvGrpSpPr>
+        <p:cNvPr id="1" name=""/>
+        <p:cNvGrpSpPr/>
+        <p:nvPr/>
+      </p:nvGrpSpPr>
+      <p:grpSpPr>
+        <a:xfrm>
+          <a:off x="0" y="0"/>
+          <a:ext cx="0" cy="0"/>
+          <a:chOff x="0" y="0"/>
+          <a:chExt cx="0" cy="0"/>
+        </a:xfrm>
+      </p:grpSpPr>
+      <p:sp>
+        <p:nvSpPr>
+          <p:cNvPr id="9" name="Rectangle 8">
+            <a:extLst>
+              <a:ext uri="{FF2B5EF4-FFF2-40B4-BE49-F238E27FC236}">
+                <a16:creationId xmlns:a16="http://schemas.microsoft.com/office/drawing/2014/main" id="{823AC064-BC96-4F32-8AE1-B2FD38754823}"/>
+              </a:ext>
+              <a:ext uri="{C183D7F6-B498-43B3-948B-1728B52AA6E4}">
+                <adec:decorative xmlns:adec="http://schemas.microsoft.com/office/drawing/2017/decorative" val="1"/>
+              </a:ext>
+            </a:extLst>
+          </p:cNvPr>
+          <p:cNvSpPr>
+            <a:spLocks noGrp="1" noRot="1" noChangeAspect="1" noMove="1" noResize="1" noEditPoints="1" noAdjustHandles="1" noChangeArrowheads="1" noChangeShapeType="1" noTextEdit="1"/>
+          </p:cNvSpPr>
+          <p:nvPr>
+            <p:extLst>
+              <p:ext uri="{386F3935-93C4-4BCD-93E2-E3B085C9AB24}">
+                <p16:designElem xmlns:p16="http://schemas.microsoft.com/office/powerpoint/2015/main" val="1"/>
+              </p:ext>
+            </p:extLst>
+          </p:nvPr>
+        </p:nvSpPr>
+        <p:spPr bwMode="ltGray">
+          <a:xfrm>
+            <a:off x="378068" y="343486"/>
+            <a:ext cx="11438793" cy="1844256"/>
+          </a:xfrm>
+          <a:prstGeom prst="rect">
+            <a:avLst/>
+          </a:prstGeom>
+          <a:solidFill>
+            <a:srgbClr val="404040"/>
+          </a:solidFill>
+          <a:ln w="127000" cap="sq" cmpd="thinThick">
+            <a:solidFill>
+              <a:srgbClr val="404040"/>
+            </a:solidFill>
+          </a:ln>
+        </p:spPr>
+        <p:style>
+          <a:lnRef idx="2">
+            <a:schemeClr val="accent1">
+              <a:shade val="50000"/>
+            </a:schemeClr>
+          </a:lnRef>
+          <a:fillRef idx="1">
+            <a:schemeClr val="accent1"/>
+          </a:fillRef>
+          <a:effectRef idx="0">
+            <a:schemeClr val="accent1"/>
+          </a:effectRef>
+          <a:fontRef idx="minor">
+            <a:schemeClr val="lt1"/>
+          </a:fontRef>
+        </p:style>
+        <p:txBody>
+          <a:bodyPr rtlCol="0" anchor="ctr"/>
+          <a:lstStyle/>
+          <a:p>
+            <a:pPr marL="0" marR="0" lvl="0" indent="0" algn="ctr" defTabSz="914400" rtl="0" eaLnBrk="1" fontAlgn="auto" latinLnBrk="0" hangingPunct="1">
+              <a:lnSpc>
+                <a:spcPct val="100000"/>
+              </a:lnSpc>
+              <a:spcBef>
+                <a:spcPts val="0"/>
+              </a:spcBef>
+              <a:spcAft>
+                <a:spcPts val="0"/>
+              </a:spcAft>
+              <a:buClrTx/>
+              <a:buSzTx/>
+              <a:buFontTx/>
+              <a:buNone/>
+              <a:tabLst/>
+              <a:defRPr/>
+            </a:pPr>
+            <a:endParaRPr kumimoji="0" lang="en-US" sz="1800" b="0" i="0" u="none" strike="noStrike" kern="1200" cap="none" spc="0" normalizeH="0" baseline="0" noProof="0">
+              <a:ln>
+                <a:noFill/>
+              </a:ln>
+              <a:solidFill>
+                <a:prstClr val="white"/>
+              </a:solidFill>
+              <a:effectLst/>
+              <a:uLnTx/>
+              <a:uFillTx/>
+              <a:latin typeface="Calibri" panose="020F0502020204030204"/>
+              <a:ea typeface="+mn-ea"/>
+              <a:cs typeface="+mn-cs"/>
+            </a:endParaRPr>
+          </a:p>
+        </p:txBody>
+      </p:sp>
+      <p:sp>
+        <p:nvSpPr>
+          <p:cNvPr id="2" name="Title 1">
+            <a:extLst>
+              <a:ext uri="{FF2B5EF4-FFF2-40B4-BE49-F238E27FC236}">
+                <a16:creationId xmlns:a16="http://schemas.microsoft.com/office/drawing/2014/main" id="{993BC341-955D-4DD7-93A5-A6A62C931116}"/>
+              </a:ext>
+            </a:extLst>
+          </p:cNvPr>
+          <p:cNvSpPr>
+            <a:spLocks noGrp="1"/>
+          </p:cNvSpPr>
+          <p:nvPr>
+            <p:ph type="title"/>
+          </p:nvPr>
+        </p:nvSpPr>
+        <p:spPr>
+          <a:xfrm>
+            <a:off x="526073" y="466578"/>
+            <a:ext cx="11139854" cy="930447"/>
+          </a:xfrm>
+        </p:spPr>
+        <p:txBody>
+          <a:bodyPr vert="horz" lIns="91440" tIns="45720" rIns="91440" bIns="45720" rtlCol="0" anchor="b">
+            <a:normAutofit/>
+          </a:bodyPr>
+          <a:lstStyle/>
+          <a:p>
+            <a:pPr algn="ctr"/>
+            <a:endParaRPr lang="en-US" sz="5400" kern="1200">
+              <a:solidFill>
+                <a:srgbClr val="FFFFFF"/>
+              </a:solidFill>
+              <a:latin typeface="+mj-lt"/>
+              <a:ea typeface="+mj-ea"/>
+              <a:cs typeface="+mj-cs"/>
+            </a:endParaRPr>
+          </a:p>
+        </p:txBody>
+      </p:sp>
+      <p:cxnSp>
+        <p:nvCxnSpPr>
+          <p:cNvPr id="11" name="Straight Connector 10">
+            <a:extLst>
+              <a:ext uri="{FF2B5EF4-FFF2-40B4-BE49-F238E27FC236}">
+                <a16:creationId xmlns:a16="http://schemas.microsoft.com/office/drawing/2014/main" id="{7E7C77BC-7138-40B1-A15B-20F57A494629}"/>
+              </a:ext>
+              <a:ext uri="{C183D7F6-B498-43B3-948B-1728B52AA6E4}">
+                <adec:decorative xmlns:adec="http://schemas.microsoft.com/office/drawing/2017/decorative" val="1"/>
+              </a:ext>
+            </a:extLst>
+          </p:cNvPr>
+          <p:cNvCxnSpPr>
+            <a:cxnSpLocks noGrp="1" noRot="1" noChangeAspect="1" noMove="1" noResize="1" noEditPoints="1" noAdjustHandles="1" noChangeArrowheads="1" noChangeShapeType="1"/>
+          </p:cNvCxnSpPr>
+          <p:nvPr>
+            <p:extLst>
+              <p:ext uri="{386F3935-93C4-4BCD-93E2-E3B085C9AB24}">
+                <p16:designElem xmlns:p16="http://schemas.microsoft.com/office/powerpoint/2015/main" val="1"/>
+              </p:ext>
+            </p:extLst>
+          </p:nvPr>
+        </p:nvCxnSpPr>
+        <p:spPr>
+          <a:xfrm>
+            <a:off x="2209800" y="1448631"/>
+            <a:ext cx="7772400" cy="0"/>
+          </a:xfrm>
+          <a:prstGeom prst="line">
+            <a:avLst/>
+          </a:prstGeom>
+          <a:ln w="22225">
+            <a:solidFill>
+              <a:srgbClr val="D9D9D9"/>
+            </a:solidFill>
+          </a:ln>
+        </p:spPr>
+        <p:style>
+          <a:lnRef idx="1">
+            <a:schemeClr val="accent1"/>
+          </a:lnRef>
+          <a:fillRef idx="0">
+            <a:schemeClr val="accent1"/>
+          </a:fillRef>
+          <a:effectRef idx="0">
+            <a:schemeClr val="accent1"/>
+          </a:effectRef>
+          <a:fontRef idx="minor">
+            <a:schemeClr val="tx1"/>
+          </a:fontRef>
+        </p:style>
+      </p:cxnSp>
+      <p:pic>
+        <p:nvPicPr>
+          <p:cNvPr id="4" name="Content Placeholder 3">
+            <a:extLst>
+              <a:ext uri="{FF2B5EF4-FFF2-40B4-BE49-F238E27FC236}">
+                <a16:creationId xmlns:a16="http://schemas.microsoft.com/office/drawing/2014/main" id="{A3EDFCBF-825D-448F-AC23-12B4DD2973D0}"/>
+              </a:ext>
+            </a:extLst>
+          </p:cNvPr>
+          <p:cNvPicPr>
+            <a:picLocks noGrp="1" noChangeAspect="1"/>
+          </p:cNvPicPr>
+          <p:nvPr>
+            <p:ph idx="1"/>
+          </p:nvPr>
+        </p:nvPicPr>
+        <p:blipFill>
+          <a:blip r:embed="rId2"/>
+          <a:stretch>
+            <a:fillRect/>
+          </a:stretch>
+        </p:blipFill>
+        <p:spPr>
+          <a:xfrm>
+            <a:off x="2400894" y="2509911"/>
+            <a:ext cx="7335113" cy="3997637"/>
+          </a:xfrm>
+          <a:prstGeom prst="rect">
+            <a:avLst/>
+          </a:prstGeom>
+        </p:spPr>
+      </p:pic>
+    </p:spTree>
+    <p:extLst>
+      <p:ext uri="{BB962C8B-B14F-4D97-AF65-F5344CB8AC3E}">
+        <p14:creationId xmlns:p14="http://schemas.microsoft.com/office/powerpoint/2010/main" val="2713325499"/>
+      </p:ext>
+    </p:extLst>
+  </p:cSld>
+  <p:clrMapOvr>
+    <a:masterClrMapping/>
+  </p:clrMapOvr>
+</p:sld>
+</file>
+
+<file path=ppt/slides/slide18.xml><?xml version="1.0" encoding="utf-8"?>
+<p:sld xmlns:a="http://schemas.openxmlformats.org/drawingml/2006/main" xmlns:r="http://schemas.openxmlformats.org/officeDocument/2006/relationships" xmlns:p="http://schemas.openxmlformats.org/presentationml/2006/main">
+  <p:cSld>
+    <p:bg>
+      <p:bgPr>
+        <a:solidFill>
+          <a:schemeClr val="bg1"/>
+        </a:solidFill>
+        <a:effectLst/>
+      </p:bgPr>
+    </p:bg>
+    <p:spTree>
+      <p:nvGrpSpPr>
+        <p:cNvPr id="1" name=""/>
+        <p:cNvGrpSpPr/>
+        <p:nvPr/>
+      </p:nvGrpSpPr>
+      <p:grpSpPr>
+        <a:xfrm>
+          <a:off x="0" y="0"/>
+          <a:ext cx="0" cy="0"/>
+          <a:chOff x="0" y="0"/>
+          <a:chExt cx="0" cy="0"/>
+        </a:xfrm>
+      </p:grpSpPr>
+      <p:sp>
+        <p:nvSpPr>
+          <p:cNvPr id="9" name="Rectangle 8">
+            <a:extLst>
+              <a:ext uri="{FF2B5EF4-FFF2-40B4-BE49-F238E27FC236}">
+                <a16:creationId xmlns:a16="http://schemas.microsoft.com/office/drawing/2014/main" id="{823AC064-BC96-4F32-8AE1-B2FD38754823}"/>
+              </a:ext>
+              <a:ext uri="{C183D7F6-B498-43B3-948B-1728B52AA6E4}">
+                <adec:decorative xmlns:adec="http://schemas.microsoft.com/office/drawing/2017/decorative" val="1"/>
+              </a:ext>
+            </a:extLst>
+          </p:cNvPr>
+          <p:cNvSpPr>
+            <a:spLocks noGrp="1" noRot="1" noChangeAspect="1" noMove="1" noResize="1" noEditPoints="1" noAdjustHandles="1" noChangeArrowheads="1" noChangeShapeType="1" noTextEdit="1"/>
+          </p:cNvSpPr>
+          <p:nvPr>
+            <p:extLst>
+              <p:ext uri="{386F3935-93C4-4BCD-93E2-E3B085C9AB24}">
+                <p16:designElem xmlns:p16="http://schemas.microsoft.com/office/powerpoint/2015/main" val="1"/>
+              </p:ext>
+            </p:extLst>
+          </p:nvPr>
+        </p:nvSpPr>
+        <p:spPr bwMode="ltGray">
+          <a:xfrm>
+            <a:off x="378068" y="343486"/>
+            <a:ext cx="11438793" cy="1844256"/>
+          </a:xfrm>
+          <a:prstGeom prst="rect">
+            <a:avLst/>
+          </a:prstGeom>
+          <a:solidFill>
+            <a:srgbClr val="404040"/>
+          </a:solidFill>
+          <a:ln w="127000" cap="sq" cmpd="thinThick">
+            <a:solidFill>
+              <a:srgbClr val="404040"/>
+            </a:solidFill>
+          </a:ln>
+        </p:spPr>
+        <p:style>
+          <a:lnRef idx="2">
+            <a:schemeClr val="accent1">
+              <a:shade val="50000"/>
+            </a:schemeClr>
+          </a:lnRef>
+          <a:fillRef idx="1">
+            <a:schemeClr val="accent1"/>
+          </a:fillRef>
+          <a:effectRef idx="0">
+            <a:schemeClr val="accent1"/>
+          </a:effectRef>
+          <a:fontRef idx="minor">
+            <a:schemeClr val="lt1"/>
+          </a:fontRef>
+        </p:style>
+        <p:txBody>
+          <a:bodyPr rtlCol="0" anchor="ctr"/>
+          <a:lstStyle/>
+          <a:p>
+            <a:pPr marL="0" marR="0" lvl="0" indent="0" algn="ctr" defTabSz="914400" rtl="0" eaLnBrk="1" fontAlgn="auto" latinLnBrk="0" hangingPunct="1">
+              <a:lnSpc>
+                <a:spcPct val="100000"/>
+              </a:lnSpc>
+              <a:spcBef>
+                <a:spcPts val="0"/>
+              </a:spcBef>
+              <a:spcAft>
+                <a:spcPts val="0"/>
+              </a:spcAft>
+              <a:buClrTx/>
+              <a:buSzTx/>
+              <a:buFontTx/>
+              <a:buNone/>
+              <a:tabLst/>
+              <a:defRPr/>
+            </a:pPr>
+            <a:endParaRPr kumimoji="0" lang="en-US" sz="1800" b="0" i="0" u="none" strike="noStrike" kern="1200" cap="none" spc="0" normalizeH="0" baseline="0" noProof="0">
+              <a:ln>
+                <a:noFill/>
+              </a:ln>
+              <a:solidFill>
+                <a:prstClr val="white"/>
+              </a:solidFill>
+              <a:effectLst/>
+              <a:uLnTx/>
+              <a:uFillTx/>
+              <a:latin typeface="Calibri" panose="020F0502020204030204"/>
+              <a:ea typeface="+mn-ea"/>
+              <a:cs typeface="+mn-cs"/>
+            </a:endParaRPr>
+          </a:p>
+        </p:txBody>
+      </p:sp>
+      <p:sp>
+        <p:nvSpPr>
+          <p:cNvPr id="2" name="Title 1">
+            <a:extLst>
+              <a:ext uri="{FF2B5EF4-FFF2-40B4-BE49-F238E27FC236}">
+                <a16:creationId xmlns:a16="http://schemas.microsoft.com/office/drawing/2014/main" id="{C18351E2-FBF3-43D4-800C-4CCA3270F568}"/>
+              </a:ext>
+            </a:extLst>
+          </p:cNvPr>
+          <p:cNvSpPr>
+            <a:spLocks noGrp="1"/>
+          </p:cNvSpPr>
+          <p:nvPr>
+            <p:ph type="title"/>
+          </p:nvPr>
+        </p:nvSpPr>
+        <p:spPr>
+          <a:xfrm>
+            <a:off x="526073" y="466578"/>
+            <a:ext cx="11139854" cy="930447"/>
+          </a:xfrm>
+        </p:spPr>
+        <p:txBody>
+          <a:bodyPr vert="horz" lIns="91440" tIns="45720" rIns="91440" bIns="45720" rtlCol="0" anchor="b">
+            <a:normAutofit/>
+          </a:bodyPr>
+          <a:lstStyle/>
+          <a:p>
+            <a:pPr algn="ctr"/>
+            <a:endParaRPr lang="en-US" sz="5400" kern="1200">
+              <a:solidFill>
+                <a:srgbClr val="FFFFFF"/>
+              </a:solidFill>
+              <a:latin typeface="+mj-lt"/>
+              <a:ea typeface="+mj-ea"/>
+              <a:cs typeface="+mj-cs"/>
+            </a:endParaRPr>
+          </a:p>
+        </p:txBody>
+      </p:sp>
+      <p:cxnSp>
+        <p:nvCxnSpPr>
+          <p:cNvPr id="11" name="Straight Connector 10">
+            <a:extLst>
+              <a:ext uri="{FF2B5EF4-FFF2-40B4-BE49-F238E27FC236}">
+                <a16:creationId xmlns:a16="http://schemas.microsoft.com/office/drawing/2014/main" id="{7E7C77BC-7138-40B1-A15B-20F57A494629}"/>
+              </a:ext>
+              <a:ext uri="{C183D7F6-B498-43B3-948B-1728B52AA6E4}">
+                <adec:decorative xmlns:adec="http://schemas.microsoft.com/office/drawing/2017/decorative" val="1"/>
+              </a:ext>
+            </a:extLst>
+          </p:cNvPr>
+          <p:cNvCxnSpPr>
+            <a:cxnSpLocks noGrp="1" noRot="1" noChangeAspect="1" noMove="1" noResize="1" noEditPoints="1" noAdjustHandles="1" noChangeArrowheads="1" noChangeShapeType="1"/>
+          </p:cNvCxnSpPr>
+          <p:nvPr>
+            <p:extLst>
+              <p:ext uri="{386F3935-93C4-4BCD-93E2-E3B085C9AB24}">
+                <p16:designElem xmlns:p16="http://schemas.microsoft.com/office/powerpoint/2015/main" val="1"/>
+              </p:ext>
+            </p:extLst>
+          </p:nvPr>
+        </p:nvCxnSpPr>
+        <p:spPr>
+          <a:xfrm>
+            <a:off x="2209800" y="1448631"/>
+            <a:ext cx="7772400" cy="0"/>
+          </a:xfrm>
+          <a:prstGeom prst="line">
+            <a:avLst/>
+          </a:prstGeom>
+          <a:ln w="22225">
+            <a:solidFill>
+              <a:srgbClr val="D9D9D9"/>
+            </a:solidFill>
+          </a:ln>
+        </p:spPr>
+        <p:style>
+          <a:lnRef idx="1">
+            <a:schemeClr val="accent1"/>
+          </a:lnRef>
+          <a:fillRef idx="0">
+            <a:schemeClr val="accent1"/>
+          </a:fillRef>
+          <a:effectRef idx="0">
+            <a:schemeClr val="accent1"/>
+          </a:effectRef>
+          <a:fontRef idx="minor">
+            <a:schemeClr val="tx1"/>
+          </a:fontRef>
+        </p:style>
+      </p:cxnSp>
+      <p:pic>
+        <p:nvPicPr>
+          <p:cNvPr id="4" name="Content Placeholder 3">
+            <a:extLst>
+              <a:ext uri="{FF2B5EF4-FFF2-40B4-BE49-F238E27FC236}">
+                <a16:creationId xmlns:a16="http://schemas.microsoft.com/office/drawing/2014/main" id="{502D73B6-1619-459F-AB1D-432D886D5ED4}"/>
+              </a:ext>
+            </a:extLst>
+          </p:cNvPr>
+          <p:cNvPicPr>
+            <a:picLocks noGrp="1" noChangeAspect="1"/>
+          </p:cNvPicPr>
+          <p:nvPr>
+            <p:ph idx="1"/>
+          </p:nvPr>
+        </p:nvPicPr>
+        <p:blipFill>
+          <a:blip r:embed="rId2"/>
+          <a:stretch>
+            <a:fillRect/>
+          </a:stretch>
+        </p:blipFill>
+        <p:spPr>
+          <a:xfrm>
+            <a:off x="2514995" y="2509911"/>
+            <a:ext cx="7106911" cy="3997637"/>
+          </a:xfrm>
+          <a:prstGeom prst="rect">
+            <a:avLst/>
+          </a:prstGeom>
+        </p:spPr>
+      </p:pic>
+    </p:spTree>
+    <p:extLst>
+      <p:ext uri="{BB962C8B-B14F-4D97-AF65-F5344CB8AC3E}">
+        <p14:creationId xmlns:p14="http://schemas.microsoft.com/office/powerpoint/2010/main" val="240888480"/>
+      </p:ext>
+    </p:extLst>
+  </p:cSld>
+  <p:clrMapOvr>
+    <a:masterClrMapping/>
+  </p:clrMapOvr>
+</p:sld>
+</file>
+
+<file path=ppt/slides/slide19.xml><?xml version="1.0" encoding="utf-8"?>
+<p:sld xmlns:a="http://schemas.openxmlformats.org/drawingml/2006/main" xmlns:r="http://schemas.openxmlformats.org/officeDocument/2006/relationships" xmlns:p="http://schemas.openxmlformats.org/presentationml/2006/main">
+  <p:cSld>
+    <p:bg>
+      <p:bgPr>
+        <a:solidFill>
+          <a:schemeClr val="bg1"/>
+        </a:solidFill>
+        <a:effectLst/>
+      </p:bgPr>
+    </p:bg>
+    <p:spTree>
+      <p:nvGrpSpPr>
+        <p:cNvPr id="1" name=""/>
+        <p:cNvGrpSpPr/>
+        <p:nvPr/>
+      </p:nvGrpSpPr>
+      <p:grpSpPr>
+        <a:xfrm>
+          <a:off x="0" y="0"/>
+          <a:ext cx="0" cy="0"/>
+          <a:chOff x="0" y="0"/>
+          <a:chExt cx="0" cy="0"/>
+        </a:xfrm>
+      </p:grpSpPr>
+      <p:sp>
+        <p:nvSpPr>
+          <p:cNvPr id="9" name="Rectangle 8">
+            <a:extLst>
+              <a:ext uri="{FF2B5EF4-FFF2-40B4-BE49-F238E27FC236}">
+                <a16:creationId xmlns:a16="http://schemas.microsoft.com/office/drawing/2014/main" id="{823AC064-BC96-4F32-8AE1-B2FD38754823}"/>
+              </a:ext>
+              <a:ext uri="{C183D7F6-B498-43B3-948B-1728B52AA6E4}">
+                <adec:decorative xmlns:adec="http://schemas.microsoft.com/office/drawing/2017/decorative" val="1"/>
+              </a:ext>
+            </a:extLst>
+          </p:cNvPr>
+          <p:cNvSpPr>
+            <a:spLocks noGrp="1" noRot="1" noChangeAspect="1" noMove="1" noResize="1" noEditPoints="1" noAdjustHandles="1" noChangeArrowheads="1" noChangeShapeType="1" noTextEdit="1"/>
+          </p:cNvSpPr>
+          <p:nvPr>
+            <p:extLst>
+              <p:ext uri="{386F3935-93C4-4BCD-93E2-E3B085C9AB24}">
+                <p16:designElem xmlns:p16="http://schemas.microsoft.com/office/powerpoint/2015/main" val="1"/>
+              </p:ext>
+            </p:extLst>
+          </p:nvPr>
+        </p:nvSpPr>
+        <p:spPr bwMode="ltGray">
+          <a:xfrm>
+            <a:off x="378068" y="343486"/>
+            <a:ext cx="11438793" cy="1844256"/>
+          </a:xfrm>
+          <a:prstGeom prst="rect">
+            <a:avLst/>
+          </a:prstGeom>
+          <a:solidFill>
+            <a:srgbClr val="404040"/>
+          </a:solidFill>
+          <a:ln w="127000" cap="sq" cmpd="thinThick">
+            <a:solidFill>
+              <a:srgbClr val="404040"/>
+            </a:solidFill>
+          </a:ln>
+        </p:spPr>
+        <p:style>
+          <a:lnRef idx="2">
+            <a:schemeClr val="accent1">
+              <a:shade val="50000"/>
+            </a:schemeClr>
+          </a:lnRef>
+          <a:fillRef idx="1">
+            <a:schemeClr val="accent1"/>
+          </a:fillRef>
+          <a:effectRef idx="0">
+            <a:schemeClr val="accent1"/>
+          </a:effectRef>
+          <a:fontRef idx="minor">
+            <a:schemeClr val="lt1"/>
+          </a:fontRef>
+        </p:style>
+        <p:txBody>
+          <a:bodyPr rtlCol="0" anchor="ctr"/>
+          <a:lstStyle/>
+          <a:p>
+            <a:pPr marL="0" marR="0" lvl="0" indent="0" algn="ctr" defTabSz="914400" rtl="0" eaLnBrk="1" fontAlgn="auto" latinLnBrk="0" hangingPunct="1">
+              <a:lnSpc>
+                <a:spcPct val="100000"/>
+              </a:lnSpc>
+              <a:spcBef>
+                <a:spcPts val="0"/>
+              </a:spcBef>
+              <a:spcAft>
+                <a:spcPts val="0"/>
+              </a:spcAft>
+              <a:buClrTx/>
+              <a:buSzTx/>
+              <a:buFontTx/>
+              <a:buNone/>
+              <a:tabLst/>
+              <a:defRPr/>
+            </a:pPr>
+            <a:endParaRPr kumimoji="0" lang="en-US" sz="1800" b="0" i="0" u="none" strike="noStrike" kern="1200" cap="none" spc="0" normalizeH="0" baseline="0" noProof="0">
+              <a:ln>
+                <a:noFill/>
+              </a:ln>
+              <a:solidFill>
+                <a:prstClr val="white"/>
+              </a:solidFill>
+              <a:effectLst/>
+              <a:uLnTx/>
+              <a:uFillTx/>
+              <a:latin typeface="Calibri" panose="020F0502020204030204"/>
+              <a:ea typeface="+mn-ea"/>
+              <a:cs typeface="+mn-cs"/>
+            </a:endParaRPr>
+          </a:p>
+        </p:txBody>
+      </p:sp>
+      <p:sp>
+        <p:nvSpPr>
+          <p:cNvPr id="2" name="Title 1">
+            <a:extLst>
+              <a:ext uri="{FF2B5EF4-FFF2-40B4-BE49-F238E27FC236}">
+                <a16:creationId xmlns:a16="http://schemas.microsoft.com/office/drawing/2014/main" id="{A872AB25-DA72-4ADE-B34F-E16445E8CCEF}"/>
+              </a:ext>
+            </a:extLst>
+          </p:cNvPr>
+          <p:cNvSpPr>
+            <a:spLocks noGrp="1"/>
+          </p:cNvSpPr>
+          <p:nvPr>
+            <p:ph type="title"/>
+          </p:nvPr>
+        </p:nvSpPr>
+        <p:spPr>
+          <a:xfrm>
+            <a:off x="526073" y="466578"/>
+            <a:ext cx="11139854" cy="930447"/>
+          </a:xfrm>
+        </p:spPr>
+        <p:txBody>
+          <a:bodyPr vert="horz" lIns="91440" tIns="45720" rIns="91440" bIns="45720" rtlCol="0" anchor="b">
+            <a:normAutofit/>
+          </a:bodyPr>
+          <a:lstStyle/>
+          <a:p>
+            <a:pPr algn="ctr"/>
+            <a:endParaRPr lang="en-US" sz="5400" kern="1200">
+              <a:solidFill>
+                <a:srgbClr val="FFFFFF"/>
+              </a:solidFill>
+              <a:latin typeface="+mj-lt"/>
+              <a:ea typeface="+mj-ea"/>
+              <a:cs typeface="+mj-cs"/>
+            </a:endParaRPr>
+          </a:p>
+        </p:txBody>
+      </p:sp>
+      <p:cxnSp>
+        <p:nvCxnSpPr>
+          <p:cNvPr id="11" name="Straight Connector 10">
+            <a:extLst>
+              <a:ext uri="{FF2B5EF4-FFF2-40B4-BE49-F238E27FC236}">
+                <a16:creationId xmlns:a16="http://schemas.microsoft.com/office/drawing/2014/main" id="{7E7C77BC-7138-40B1-A15B-20F57A494629}"/>
+              </a:ext>
+              <a:ext uri="{C183D7F6-B498-43B3-948B-1728B52AA6E4}">
+                <adec:decorative xmlns:adec="http://schemas.microsoft.com/office/drawing/2017/decorative" val="1"/>
+              </a:ext>
+            </a:extLst>
+          </p:cNvPr>
+          <p:cNvCxnSpPr>
+            <a:cxnSpLocks noGrp="1" noRot="1" noChangeAspect="1" noMove="1" noResize="1" noEditPoints="1" noAdjustHandles="1" noChangeArrowheads="1" noChangeShapeType="1"/>
+          </p:cNvCxnSpPr>
+          <p:nvPr>
+            <p:extLst>
+              <p:ext uri="{386F3935-93C4-4BCD-93E2-E3B085C9AB24}">
+                <p16:designElem xmlns:p16="http://schemas.microsoft.com/office/powerpoint/2015/main" val="1"/>
+              </p:ext>
+            </p:extLst>
+          </p:nvPr>
+        </p:nvCxnSpPr>
+        <p:spPr>
+          <a:xfrm>
+            <a:off x="2209800" y="1448631"/>
+            <a:ext cx="7772400" cy="0"/>
+          </a:xfrm>
+          <a:prstGeom prst="line">
+            <a:avLst/>
+          </a:prstGeom>
+          <a:ln w="22225">
+            <a:solidFill>
+              <a:srgbClr val="D9D9D9"/>
+            </a:solidFill>
+          </a:ln>
+        </p:spPr>
+        <p:style>
+          <a:lnRef idx="1">
+            <a:schemeClr val="accent1"/>
+          </a:lnRef>
+          <a:fillRef idx="0">
+            <a:schemeClr val="accent1"/>
+          </a:fillRef>
+          <a:effectRef idx="0">
+            <a:schemeClr val="accent1"/>
+          </a:effectRef>
+          <a:fontRef idx="minor">
+            <a:schemeClr val="tx1"/>
+          </a:fontRef>
+        </p:style>
+      </p:cxnSp>
+      <p:pic>
+        <p:nvPicPr>
+          <p:cNvPr id="4" name="Content Placeholder 3">
+            <a:extLst>
+              <a:ext uri="{FF2B5EF4-FFF2-40B4-BE49-F238E27FC236}">
+                <a16:creationId xmlns:a16="http://schemas.microsoft.com/office/drawing/2014/main" id="{C1DA7D32-0992-4A09-970E-71BC2820C75A}"/>
+              </a:ext>
+            </a:extLst>
+          </p:cNvPr>
+          <p:cNvPicPr>
+            <a:picLocks noGrp="1" noChangeAspect="1"/>
+          </p:cNvPicPr>
+          <p:nvPr>
+            <p:ph idx="1"/>
+          </p:nvPr>
+        </p:nvPicPr>
+        <p:blipFill>
+          <a:blip r:embed="rId2"/>
+          <a:stretch>
+            <a:fillRect/>
+          </a:stretch>
+        </p:blipFill>
+        <p:spPr>
+          <a:xfrm>
+            <a:off x="1815645" y="2509911"/>
+            <a:ext cx="8505610" cy="3997637"/>
+          </a:xfrm>
+          <a:prstGeom prst="rect">
+            <a:avLst/>
+          </a:prstGeom>
+        </p:spPr>
+      </p:pic>
+    </p:spTree>
+    <p:extLst>
+      <p:ext uri="{BB962C8B-B14F-4D97-AF65-F5344CB8AC3E}">
+        <p14:creationId xmlns:p14="http://schemas.microsoft.com/office/powerpoint/2010/main" val="3579413415"/>
+      </p:ext>
+    </p:extLst>
+  </p:cSld>
+  <p:clrMapOvr>
+    <a:masterClrMapping/>
+  </p:clrMapOvr>
+</p:sld>
+</file>
+
+<file path=ppt/slides/slide2.xml><?xml version="1.0" encoding="utf-8"?>
+<p:sld xmlns:a="http://schemas.openxmlformats.org/drawingml/2006/main" xmlns:r="http://schemas.openxmlformats.org/officeDocument/2006/relationships" xmlns:p="http://schemas.openxmlformats.org/presentationml/2006/main">
+  <p:cSld>
+    <p:spTree>
+      <p:nvGrpSpPr>
+        <p:cNvPr id="1" name=""/>
+        <p:cNvGrpSpPr/>
+        <p:nvPr/>
+      </p:nvGrpSpPr>
+      <p:grpSpPr>
+        <a:xfrm>
+          <a:off x="0" y="0"/>
+          <a:ext cx="0" cy="0"/>
+          <a:chOff x="0" y="0"/>
+          <a:chExt cx="0" cy="0"/>
+        </a:xfrm>
+      </p:grpSpPr>
+      <p:sp>
+        <p:nvSpPr>
+          <p:cNvPr id="2" name="Title 1">
+            <a:extLst>
+              <a:ext uri="{FF2B5EF4-FFF2-40B4-BE49-F238E27FC236}">
+                <a16:creationId xmlns:a16="http://schemas.microsoft.com/office/drawing/2014/main" id="{97AC8C77-23DD-427A-B8FC-C9AD6E638F87}"/>
+              </a:ext>
+            </a:extLst>
+          </p:cNvPr>
+          <p:cNvSpPr>
+            <a:spLocks noGrp="1"/>
+          </p:cNvSpPr>
+          <p:nvPr>
+            <p:ph type="title"/>
+          </p:nvPr>
+        </p:nvSpPr>
+        <p:spPr/>
+        <p:txBody>
+          <a:bodyPr/>
+          <a:lstStyle/>
+          <a:p>
+            <a:r>
+              <a:rPr lang="en-US" dirty="0" err="1"/>
+              <a:t>Pengertian</a:t>
+            </a:r>
+            <a:endParaRPr lang="en-ID" dirty="0"/>
+          </a:p>
+        </p:txBody>
+      </p:sp>
+      <p:sp>
+        <p:nvSpPr>
+          <p:cNvPr id="3" name="Content Placeholder 2">
+            <a:extLst>
+              <a:ext uri="{FF2B5EF4-FFF2-40B4-BE49-F238E27FC236}">
+                <a16:creationId xmlns:a16="http://schemas.microsoft.com/office/drawing/2014/main" id="{9F0B238F-D754-4C6D-81B3-39D2568A74FA}"/>
+              </a:ext>
+            </a:extLst>
+          </p:cNvPr>
+          <p:cNvSpPr>
+            <a:spLocks noGrp="1"/>
+          </p:cNvSpPr>
+          <p:nvPr>
+            <p:ph idx="1"/>
+          </p:nvPr>
+        </p:nvSpPr>
+        <p:spPr/>
+        <p:txBody>
+          <a:bodyPr/>
+          <a:lstStyle/>
+          <a:p>
+            <a:r>
+              <a:rPr lang="en-ID" dirty="0" err="1"/>
+              <a:t>Algoritme</a:t>
+            </a:r>
+            <a:r>
+              <a:rPr lang="en-ID" dirty="0"/>
+              <a:t> Knuth-Morris-Pratt </a:t>
+            </a:r>
+            <a:r>
+              <a:rPr lang="en-ID" dirty="0" err="1"/>
+              <a:t>adalah</a:t>
+            </a:r>
+            <a:r>
+              <a:rPr lang="en-ID" dirty="0"/>
+              <a:t> salah </a:t>
+            </a:r>
+            <a:r>
+              <a:rPr lang="en-ID" dirty="0" err="1"/>
+              <a:t>satu</a:t>
+            </a:r>
+            <a:r>
+              <a:rPr lang="en-ID" dirty="0"/>
+              <a:t> </a:t>
+            </a:r>
+            <a:r>
+              <a:rPr lang="en-ID" dirty="0" err="1"/>
+              <a:t>algoritme</a:t>
+            </a:r>
+            <a:r>
+              <a:rPr lang="en-ID" dirty="0"/>
+              <a:t> </a:t>
+            </a:r>
+            <a:r>
+              <a:rPr lang="en-ID" dirty="0" err="1"/>
+              <a:t>pencarian</a:t>
+            </a:r>
+            <a:r>
+              <a:rPr lang="en-ID" dirty="0"/>
+              <a:t> string, </a:t>
+            </a:r>
+            <a:r>
+              <a:rPr lang="en-ID" dirty="0" err="1"/>
+              <a:t>dikembangkan</a:t>
+            </a:r>
+            <a:r>
+              <a:rPr lang="en-ID" dirty="0"/>
+              <a:t> </a:t>
+            </a:r>
+            <a:r>
+              <a:rPr lang="en-ID" dirty="0" err="1"/>
+              <a:t>secara</a:t>
+            </a:r>
+            <a:r>
+              <a:rPr lang="en-ID" dirty="0"/>
+              <a:t> </a:t>
+            </a:r>
+            <a:r>
+              <a:rPr lang="en-ID" dirty="0" err="1"/>
+              <a:t>terpisah</a:t>
+            </a:r>
+            <a:r>
+              <a:rPr lang="en-ID" dirty="0"/>
+              <a:t> oleh Donald E. Knuth pada </a:t>
+            </a:r>
+            <a:r>
+              <a:rPr lang="en-ID" dirty="0" err="1"/>
+              <a:t>tahun</a:t>
+            </a:r>
+            <a:r>
+              <a:rPr lang="en-ID" dirty="0"/>
+              <a:t> 1967 dan James H. Morris </a:t>
+            </a:r>
+            <a:r>
+              <a:rPr lang="en-ID" dirty="0" err="1"/>
+              <a:t>bersama</a:t>
+            </a:r>
+            <a:r>
+              <a:rPr lang="en-ID" dirty="0"/>
+              <a:t> Vaughan R. Pratt pada </a:t>
+            </a:r>
+            <a:r>
+              <a:rPr lang="en-ID" dirty="0" err="1"/>
+              <a:t>tahun</a:t>
+            </a:r>
+            <a:r>
+              <a:rPr lang="en-ID" dirty="0"/>
+              <a:t> 1966, </a:t>
+            </a:r>
+            <a:r>
+              <a:rPr lang="en-ID" dirty="0" err="1"/>
+              <a:t>namun</a:t>
+            </a:r>
+            <a:r>
+              <a:rPr lang="en-ID" dirty="0"/>
+              <a:t> </a:t>
+            </a:r>
+            <a:r>
+              <a:rPr lang="en-ID" dirty="0" err="1"/>
+              <a:t>keduanya</a:t>
+            </a:r>
+            <a:r>
+              <a:rPr lang="en-ID" dirty="0"/>
+              <a:t> </a:t>
+            </a:r>
+            <a:r>
+              <a:rPr lang="en-ID" dirty="0" err="1"/>
+              <a:t>mempublikasikannya</a:t>
+            </a:r>
+            <a:r>
+              <a:rPr lang="en-ID" dirty="0"/>
+              <a:t> </a:t>
+            </a:r>
+            <a:r>
+              <a:rPr lang="en-ID" dirty="0" err="1"/>
+              <a:t>secara</a:t>
+            </a:r>
+            <a:r>
+              <a:rPr lang="en-ID" dirty="0"/>
+              <a:t> </a:t>
+            </a:r>
+            <a:r>
+              <a:rPr lang="en-ID" dirty="0" err="1"/>
+              <a:t>bersamaan</a:t>
+            </a:r>
+            <a:r>
+              <a:rPr lang="en-ID" dirty="0"/>
+              <a:t> pada </a:t>
+            </a:r>
+            <a:r>
+              <a:rPr lang="en-ID" dirty="0" err="1"/>
+              <a:t>tahun</a:t>
+            </a:r>
+            <a:r>
+              <a:rPr lang="en-ID" dirty="0"/>
+              <a:t> 1977.</a:t>
+            </a:r>
+          </a:p>
+        </p:txBody>
+      </p:sp>
+    </p:spTree>
+    <p:extLst>
+      <p:ext uri="{BB962C8B-B14F-4D97-AF65-F5344CB8AC3E}">
+        <p14:creationId xmlns:p14="http://schemas.microsoft.com/office/powerpoint/2010/main" val="1755370614"/>
+      </p:ext>
+    </p:extLst>
+  </p:cSld>
+  <p:clrMapOvr>
+    <a:masterClrMapping/>
+  </p:clrMapOvr>
+</p:sld>
+</file>
+
+<file path=ppt/slides/slide20.xml><?xml version="1.0" encoding="utf-8"?>
+<p:sld xmlns:a="http://schemas.openxmlformats.org/drawingml/2006/main" xmlns:r="http://schemas.openxmlformats.org/officeDocument/2006/relationships" xmlns:p="http://schemas.openxmlformats.org/presentationml/2006/main">
+  <p:cSld>
+    <p:bg>
+      <p:bgPr>
+        <a:solidFill>
+          <a:schemeClr val="bg1"/>
+        </a:solidFill>
+        <a:effectLst/>
+      </p:bgPr>
+    </p:bg>
+    <p:spTree>
+      <p:nvGrpSpPr>
+        <p:cNvPr id="1" name=""/>
+        <p:cNvGrpSpPr/>
+        <p:nvPr/>
+      </p:nvGrpSpPr>
+      <p:grpSpPr>
+        <a:xfrm>
+          <a:off x="0" y="0"/>
+          <a:ext cx="0" cy="0"/>
+          <a:chOff x="0" y="0"/>
+          <a:chExt cx="0" cy="0"/>
+        </a:xfrm>
+      </p:grpSpPr>
+      <p:sp>
+        <p:nvSpPr>
+          <p:cNvPr id="9" name="Rectangle 8">
+            <a:extLst>
+              <a:ext uri="{FF2B5EF4-FFF2-40B4-BE49-F238E27FC236}">
+                <a16:creationId xmlns:a16="http://schemas.microsoft.com/office/drawing/2014/main" id="{823AC064-BC96-4F32-8AE1-B2FD38754823}"/>
+              </a:ext>
+              <a:ext uri="{C183D7F6-B498-43B3-948B-1728B52AA6E4}">
+                <adec:decorative xmlns:adec="http://schemas.microsoft.com/office/drawing/2017/decorative" val="1"/>
+              </a:ext>
+            </a:extLst>
+          </p:cNvPr>
+          <p:cNvSpPr>
+            <a:spLocks noGrp="1" noRot="1" noChangeAspect="1" noMove="1" noResize="1" noEditPoints="1" noAdjustHandles="1" noChangeArrowheads="1" noChangeShapeType="1" noTextEdit="1"/>
+          </p:cNvSpPr>
+          <p:nvPr>
+            <p:extLst>
+              <p:ext uri="{386F3935-93C4-4BCD-93E2-E3B085C9AB24}">
+                <p16:designElem xmlns:p16="http://schemas.microsoft.com/office/powerpoint/2015/main" val="1"/>
+              </p:ext>
+            </p:extLst>
+          </p:nvPr>
+        </p:nvSpPr>
+        <p:spPr bwMode="ltGray">
+          <a:xfrm>
+            <a:off x="378068" y="343486"/>
+            <a:ext cx="11438793" cy="1844256"/>
+          </a:xfrm>
+          <a:prstGeom prst="rect">
+            <a:avLst/>
+          </a:prstGeom>
+          <a:solidFill>
+            <a:srgbClr val="404040"/>
+          </a:solidFill>
+          <a:ln w="127000" cap="sq" cmpd="thinThick">
+            <a:solidFill>
+              <a:srgbClr val="404040"/>
+            </a:solidFill>
+          </a:ln>
+        </p:spPr>
+        <p:style>
+          <a:lnRef idx="2">
+            <a:schemeClr val="accent1">
+              <a:shade val="50000"/>
+            </a:schemeClr>
+          </a:lnRef>
+          <a:fillRef idx="1">
+            <a:schemeClr val="accent1"/>
+          </a:fillRef>
+          <a:effectRef idx="0">
+            <a:schemeClr val="accent1"/>
+          </a:effectRef>
+          <a:fontRef idx="minor">
+            <a:schemeClr val="lt1"/>
+          </a:fontRef>
+        </p:style>
+        <p:txBody>
+          <a:bodyPr rtlCol="0" anchor="ctr"/>
+          <a:lstStyle/>
+          <a:p>
+            <a:pPr marL="0" marR="0" lvl="0" indent="0" algn="ctr" defTabSz="914400" rtl="0" eaLnBrk="1" fontAlgn="auto" latinLnBrk="0" hangingPunct="1">
+              <a:lnSpc>
+                <a:spcPct val="100000"/>
+              </a:lnSpc>
+              <a:spcBef>
+                <a:spcPts val="0"/>
+              </a:spcBef>
+              <a:spcAft>
+                <a:spcPts val="0"/>
+              </a:spcAft>
+              <a:buClrTx/>
+              <a:buSzTx/>
+              <a:buFontTx/>
+              <a:buNone/>
+              <a:tabLst/>
+              <a:defRPr/>
+            </a:pPr>
+            <a:endParaRPr kumimoji="0" lang="en-US" sz="1800" b="0" i="0" u="none" strike="noStrike" kern="1200" cap="none" spc="0" normalizeH="0" baseline="0" noProof="0">
+              <a:ln>
+                <a:noFill/>
+              </a:ln>
+              <a:solidFill>
+                <a:prstClr val="white"/>
+              </a:solidFill>
+              <a:effectLst/>
+              <a:uLnTx/>
+              <a:uFillTx/>
+              <a:latin typeface="Calibri" panose="020F0502020204030204"/>
+              <a:ea typeface="+mn-ea"/>
+              <a:cs typeface="+mn-cs"/>
+            </a:endParaRPr>
+          </a:p>
+        </p:txBody>
+      </p:sp>
+      <p:sp>
+        <p:nvSpPr>
+          <p:cNvPr id="2" name="Title 1">
+            <a:extLst>
+              <a:ext uri="{FF2B5EF4-FFF2-40B4-BE49-F238E27FC236}">
+                <a16:creationId xmlns:a16="http://schemas.microsoft.com/office/drawing/2014/main" id="{CA70E207-4AEF-41A0-942B-893058EF7E63}"/>
+              </a:ext>
+            </a:extLst>
+          </p:cNvPr>
+          <p:cNvSpPr>
+            <a:spLocks noGrp="1"/>
+          </p:cNvSpPr>
+          <p:nvPr>
+            <p:ph type="title"/>
+          </p:nvPr>
+        </p:nvSpPr>
+        <p:spPr>
+          <a:xfrm>
+            <a:off x="526073" y="466578"/>
+            <a:ext cx="11139854" cy="930447"/>
+          </a:xfrm>
+        </p:spPr>
+        <p:txBody>
+          <a:bodyPr vert="horz" lIns="91440" tIns="45720" rIns="91440" bIns="45720" rtlCol="0" anchor="b">
+            <a:normAutofit/>
+          </a:bodyPr>
+          <a:lstStyle/>
+          <a:p>
+            <a:pPr algn="ctr"/>
+            <a:endParaRPr lang="en-US" sz="5400" kern="1200">
+              <a:solidFill>
+                <a:srgbClr val="FFFFFF"/>
+              </a:solidFill>
+              <a:latin typeface="+mj-lt"/>
+              <a:ea typeface="+mj-ea"/>
+              <a:cs typeface="+mj-cs"/>
+            </a:endParaRPr>
+          </a:p>
+        </p:txBody>
+      </p:sp>
+      <p:cxnSp>
+        <p:nvCxnSpPr>
+          <p:cNvPr id="11" name="Straight Connector 10">
+            <a:extLst>
+              <a:ext uri="{FF2B5EF4-FFF2-40B4-BE49-F238E27FC236}">
+                <a16:creationId xmlns:a16="http://schemas.microsoft.com/office/drawing/2014/main" id="{7E7C77BC-7138-40B1-A15B-20F57A494629}"/>
+              </a:ext>
+              <a:ext uri="{C183D7F6-B498-43B3-948B-1728B52AA6E4}">
+                <adec:decorative xmlns:adec="http://schemas.microsoft.com/office/drawing/2017/decorative" val="1"/>
+              </a:ext>
+            </a:extLst>
+          </p:cNvPr>
+          <p:cNvCxnSpPr>
+            <a:cxnSpLocks noGrp="1" noRot="1" noChangeAspect="1" noMove="1" noResize="1" noEditPoints="1" noAdjustHandles="1" noChangeArrowheads="1" noChangeShapeType="1"/>
+          </p:cNvCxnSpPr>
+          <p:nvPr>
+            <p:extLst>
+              <p:ext uri="{386F3935-93C4-4BCD-93E2-E3B085C9AB24}">
+                <p16:designElem xmlns:p16="http://schemas.microsoft.com/office/powerpoint/2015/main" val="1"/>
+              </p:ext>
+            </p:extLst>
+          </p:nvPr>
+        </p:nvCxnSpPr>
+        <p:spPr>
+          <a:xfrm>
+            <a:off x="2209800" y="1448631"/>
+            <a:ext cx="7772400" cy="0"/>
+          </a:xfrm>
+          <a:prstGeom prst="line">
+            <a:avLst/>
+          </a:prstGeom>
+          <a:ln w="22225">
+            <a:solidFill>
+              <a:srgbClr val="D9D9D9"/>
+            </a:solidFill>
+          </a:ln>
+        </p:spPr>
+        <p:style>
+          <a:lnRef idx="1">
+            <a:schemeClr val="accent1"/>
+          </a:lnRef>
+          <a:fillRef idx="0">
+            <a:schemeClr val="accent1"/>
+          </a:fillRef>
+          <a:effectRef idx="0">
+            <a:schemeClr val="accent1"/>
+          </a:effectRef>
+          <a:fontRef idx="minor">
+            <a:schemeClr val="tx1"/>
+          </a:fontRef>
+        </p:style>
+      </p:cxnSp>
+      <p:pic>
+        <p:nvPicPr>
+          <p:cNvPr id="4" name="Content Placeholder 3">
+            <a:extLst>
+              <a:ext uri="{FF2B5EF4-FFF2-40B4-BE49-F238E27FC236}">
+                <a16:creationId xmlns:a16="http://schemas.microsoft.com/office/drawing/2014/main" id="{66DA6049-1FD5-4C6C-A54F-19C6B0174F37}"/>
+              </a:ext>
+            </a:extLst>
+          </p:cNvPr>
+          <p:cNvPicPr>
+            <a:picLocks noGrp="1" noChangeAspect="1"/>
+          </p:cNvPicPr>
+          <p:nvPr>
+            <p:ph idx="1"/>
+          </p:nvPr>
+        </p:nvPicPr>
+        <p:blipFill>
+          <a:blip r:embed="rId2"/>
+          <a:stretch>
+            <a:fillRect/>
+          </a:stretch>
+        </p:blipFill>
+        <p:spPr>
+          <a:xfrm>
+            <a:off x="2050726" y="2509911"/>
+            <a:ext cx="8035449" cy="3997637"/>
+          </a:xfrm>
+          <a:prstGeom prst="rect">
+            <a:avLst/>
+          </a:prstGeom>
+        </p:spPr>
+      </p:pic>
+    </p:spTree>
+    <p:extLst>
+      <p:ext uri="{BB962C8B-B14F-4D97-AF65-F5344CB8AC3E}">
+        <p14:creationId xmlns:p14="http://schemas.microsoft.com/office/powerpoint/2010/main" val="2334367606"/>
+      </p:ext>
+    </p:extLst>
+  </p:cSld>
+  <p:clrMapOvr>
+    <a:masterClrMapping/>
+  </p:clrMapOvr>
+</p:sld>
+</file>
+
+<file path=ppt/slides/slide21.xml><?xml version="1.0" encoding="utf-8"?>
+<p:sld xmlns:a="http://schemas.openxmlformats.org/drawingml/2006/main" xmlns:r="http://schemas.openxmlformats.org/officeDocument/2006/relationships" xmlns:p="http://schemas.openxmlformats.org/presentationml/2006/main">
+  <p:cSld>
+    <p:bg>
+      <p:bgPr>
+        <a:solidFill>
+          <a:schemeClr val="bg1"/>
+        </a:solidFill>
+        <a:effectLst/>
+      </p:bgPr>
+    </p:bg>
+    <p:spTree>
+      <p:nvGrpSpPr>
+        <p:cNvPr id="1" name=""/>
+        <p:cNvGrpSpPr/>
+        <p:nvPr/>
+      </p:nvGrpSpPr>
+      <p:grpSpPr>
+        <a:xfrm>
+          <a:off x="0" y="0"/>
+          <a:ext cx="0" cy="0"/>
+          <a:chOff x="0" y="0"/>
+          <a:chExt cx="0" cy="0"/>
+        </a:xfrm>
+      </p:grpSpPr>
+      <p:sp>
+        <p:nvSpPr>
+          <p:cNvPr id="10" name="Rectangle 9">
+            <a:extLst>
+              <a:ext uri="{FF2B5EF4-FFF2-40B4-BE49-F238E27FC236}">
+                <a16:creationId xmlns:a16="http://schemas.microsoft.com/office/drawing/2014/main" id="{823AC064-BC96-4F32-8AE1-B2FD38754823}"/>
+              </a:ext>
+              <a:ext uri="{C183D7F6-B498-43B3-948B-1728B52AA6E4}">
+                <adec:decorative xmlns:adec="http://schemas.microsoft.com/office/drawing/2017/decorative" val="1"/>
+              </a:ext>
+            </a:extLst>
+          </p:cNvPr>
+          <p:cNvSpPr>
+            <a:spLocks noGrp="1" noRot="1" noChangeAspect="1" noMove="1" noResize="1" noEditPoints="1" noAdjustHandles="1" noChangeArrowheads="1" noChangeShapeType="1" noTextEdit="1"/>
+          </p:cNvSpPr>
+          <p:nvPr>
+            <p:extLst>
+              <p:ext uri="{386F3935-93C4-4BCD-93E2-E3B085C9AB24}">
+                <p16:designElem xmlns:p16="http://schemas.microsoft.com/office/powerpoint/2015/main" val="1"/>
+              </p:ext>
+            </p:extLst>
+          </p:nvPr>
+        </p:nvSpPr>
+        <p:spPr bwMode="ltGray">
+          <a:xfrm>
+            <a:off x="378068" y="343486"/>
+            <a:ext cx="11438793" cy="1844256"/>
+          </a:xfrm>
+          <a:prstGeom prst="rect">
+            <a:avLst/>
+          </a:prstGeom>
+          <a:solidFill>
+            <a:srgbClr val="404040"/>
+          </a:solidFill>
+          <a:ln w="127000" cap="sq" cmpd="thinThick">
+            <a:solidFill>
+              <a:srgbClr val="404040"/>
+            </a:solidFill>
+          </a:ln>
+        </p:spPr>
+        <p:style>
+          <a:lnRef idx="2">
+            <a:schemeClr val="accent1">
+              <a:shade val="50000"/>
+            </a:schemeClr>
+          </a:lnRef>
+          <a:fillRef idx="1">
+            <a:schemeClr val="accent1"/>
+          </a:fillRef>
+          <a:effectRef idx="0">
+            <a:schemeClr val="accent1"/>
+          </a:effectRef>
+          <a:fontRef idx="minor">
+            <a:schemeClr val="lt1"/>
+          </a:fontRef>
+        </p:style>
+        <p:txBody>
+          <a:bodyPr rtlCol="0" anchor="ctr"/>
+          <a:lstStyle/>
+          <a:p>
+            <a:pPr marL="0" marR="0" lvl="0" indent="0" algn="ctr" defTabSz="914400" rtl="0" eaLnBrk="1" fontAlgn="auto" latinLnBrk="0" hangingPunct="1">
+              <a:lnSpc>
+                <a:spcPct val="100000"/>
+              </a:lnSpc>
+              <a:spcBef>
+                <a:spcPts val="0"/>
+              </a:spcBef>
+              <a:spcAft>
+                <a:spcPts val="0"/>
+              </a:spcAft>
+              <a:buClrTx/>
+              <a:buSzTx/>
+              <a:buFontTx/>
+              <a:buNone/>
+              <a:tabLst/>
+              <a:defRPr/>
+            </a:pPr>
+            <a:endParaRPr kumimoji="0" lang="en-US" sz="1800" b="0" i="0" u="none" strike="noStrike" kern="1200" cap="none" spc="0" normalizeH="0" baseline="0" noProof="0">
+              <a:ln>
+                <a:noFill/>
+              </a:ln>
+              <a:solidFill>
+                <a:prstClr val="white"/>
+              </a:solidFill>
+              <a:effectLst/>
+              <a:uLnTx/>
+              <a:uFillTx/>
+              <a:latin typeface="Calibri" panose="020F0502020204030204"/>
+              <a:ea typeface="+mn-ea"/>
+              <a:cs typeface="+mn-cs"/>
+            </a:endParaRPr>
+          </a:p>
+        </p:txBody>
+      </p:sp>
+      <p:sp>
+        <p:nvSpPr>
+          <p:cNvPr id="2" name="Title 1">
+            <a:extLst>
+              <a:ext uri="{FF2B5EF4-FFF2-40B4-BE49-F238E27FC236}">
+                <a16:creationId xmlns:a16="http://schemas.microsoft.com/office/drawing/2014/main" id="{662F5DD8-E533-4566-9949-F4EE7917D0CF}"/>
+              </a:ext>
+            </a:extLst>
+          </p:cNvPr>
+          <p:cNvSpPr>
+            <a:spLocks noGrp="1"/>
+          </p:cNvSpPr>
+          <p:nvPr>
+            <p:ph type="title"/>
+          </p:nvPr>
+        </p:nvSpPr>
+        <p:spPr>
+          <a:xfrm>
+            <a:off x="526073" y="466578"/>
+            <a:ext cx="11139854" cy="930447"/>
+          </a:xfrm>
+        </p:spPr>
+        <p:txBody>
+          <a:bodyPr vert="horz" lIns="91440" tIns="45720" rIns="91440" bIns="45720" rtlCol="0" anchor="b">
+            <a:normAutofit/>
+          </a:bodyPr>
+          <a:lstStyle/>
+          <a:p>
+            <a:pPr algn="ctr"/>
+            <a:endParaRPr lang="en-US" sz="5400" kern="1200">
+              <a:solidFill>
+                <a:srgbClr val="FFFFFF"/>
+              </a:solidFill>
+              <a:latin typeface="+mj-lt"/>
+              <a:ea typeface="+mj-ea"/>
+              <a:cs typeface="+mj-cs"/>
+            </a:endParaRPr>
+          </a:p>
+        </p:txBody>
+      </p:sp>
+      <p:cxnSp>
+        <p:nvCxnSpPr>
+          <p:cNvPr id="12" name="Straight Connector 11">
+            <a:extLst>
+              <a:ext uri="{FF2B5EF4-FFF2-40B4-BE49-F238E27FC236}">
+                <a16:creationId xmlns:a16="http://schemas.microsoft.com/office/drawing/2014/main" id="{7E7C77BC-7138-40B1-A15B-20F57A494629}"/>
+              </a:ext>
+              <a:ext uri="{C183D7F6-B498-43B3-948B-1728B52AA6E4}">
+                <adec:decorative xmlns:adec="http://schemas.microsoft.com/office/drawing/2017/decorative" val="1"/>
+              </a:ext>
+            </a:extLst>
+          </p:cNvPr>
+          <p:cNvCxnSpPr>
+            <a:cxnSpLocks noGrp="1" noRot="1" noChangeAspect="1" noMove="1" noResize="1" noEditPoints="1" noAdjustHandles="1" noChangeArrowheads="1" noChangeShapeType="1"/>
+          </p:cNvCxnSpPr>
+          <p:nvPr>
+            <p:extLst>
+              <p:ext uri="{386F3935-93C4-4BCD-93E2-E3B085C9AB24}">
+                <p16:designElem xmlns:p16="http://schemas.microsoft.com/office/powerpoint/2015/main" val="1"/>
+              </p:ext>
+            </p:extLst>
+          </p:nvPr>
+        </p:nvCxnSpPr>
+        <p:spPr>
+          <a:xfrm>
+            <a:off x="2209800" y="1448631"/>
+            <a:ext cx="7772400" cy="0"/>
+          </a:xfrm>
+          <a:prstGeom prst="line">
+            <a:avLst/>
+          </a:prstGeom>
+          <a:ln w="22225">
+            <a:solidFill>
+              <a:srgbClr val="D9D9D9"/>
+            </a:solidFill>
+          </a:ln>
+        </p:spPr>
+        <p:style>
+          <a:lnRef idx="1">
+            <a:schemeClr val="accent1"/>
+          </a:lnRef>
+          <a:fillRef idx="0">
+            <a:schemeClr val="accent1"/>
+          </a:fillRef>
+          <a:effectRef idx="0">
+            <a:schemeClr val="accent1"/>
+          </a:effectRef>
+          <a:fontRef idx="minor">
+            <a:schemeClr val="tx1"/>
+          </a:fontRef>
+        </p:style>
+      </p:cxnSp>
+      <p:pic>
+        <p:nvPicPr>
+          <p:cNvPr id="7" name="Content Placeholder 3">
+            <a:extLst>
+              <a:ext uri="{FF2B5EF4-FFF2-40B4-BE49-F238E27FC236}">
+                <a16:creationId xmlns:a16="http://schemas.microsoft.com/office/drawing/2014/main" id="{CCE3AF2B-D2BB-4F6D-98A1-7E7E17B5979C}"/>
+              </a:ext>
+            </a:extLst>
+          </p:cNvPr>
+          <p:cNvPicPr>
+            <a:picLocks noGrp="1" noChangeAspect="1"/>
+          </p:cNvPicPr>
+          <p:nvPr>
+            <p:ph idx="1"/>
+          </p:nvPr>
+        </p:nvPicPr>
+        <p:blipFill>
+          <a:blip r:embed="rId2"/>
+          <a:stretch>
+            <a:fillRect/>
+          </a:stretch>
+        </p:blipFill>
+        <p:spPr>
+          <a:xfrm>
+            <a:off x="1769915" y="2509911"/>
+            <a:ext cx="8597070" cy="3997637"/>
+          </a:xfrm>
+          <a:prstGeom prst="rect">
+            <a:avLst/>
+          </a:prstGeom>
+        </p:spPr>
+      </p:pic>
+    </p:spTree>
+    <p:extLst>
+      <p:ext uri="{BB962C8B-B14F-4D97-AF65-F5344CB8AC3E}">
+        <p14:creationId xmlns:p14="http://schemas.microsoft.com/office/powerpoint/2010/main" val="1088588125"/>
+      </p:ext>
+    </p:extLst>
+  </p:cSld>
+  <p:clrMapOvr>
+    <a:masterClrMapping/>
+  </p:clrMapOvr>
+</p:sld>
+</file>
+
+<file path=ppt/slides/slide22.xml><?xml version="1.0" encoding="utf-8"?>
+<p:sld xmlns:a="http://schemas.openxmlformats.org/drawingml/2006/main" xmlns:r="http://schemas.openxmlformats.org/officeDocument/2006/relationships" xmlns:p="http://schemas.openxmlformats.org/presentationml/2006/main">
+  <p:cSld>
+    <p:bg>
+      <p:bgPr>
+        <a:solidFill>
+          <a:schemeClr val="bg1"/>
+        </a:solidFill>
+        <a:effectLst/>
+      </p:bgPr>
+    </p:bg>
+    <p:spTree>
+      <p:nvGrpSpPr>
+        <p:cNvPr id="1" name=""/>
+        <p:cNvGrpSpPr/>
+        <p:nvPr/>
+      </p:nvGrpSpPr>
+      <p:grpSpPr>
+        <a:xfrm>
+          <a:off x="0" y="0"/>
+          <a:ext cx="0" cy="0"/>
+          <a:chOff x="0" y="0"/>
+          <a:chExt cx="0" cy="0"/>
+        </a:xfrm>
+      </p:grpSpPr>
+      <p:sp>
+        <p:nvSpPr>
+          <p:cNvPr id="9" name="Rectangle 8">
+            <a:extLst>
+              <a:ext uri="{FF2B5EF4-FFF2-40B4-BE49-F238E27FC236}">
+                <a16:creationId xmlns:a16="http://schemas.microsoft.com/office/drawing/2014/main" id="{823AC064-BC96-4F32-8AE1-B2FD38754823}"/>
+              </a:ext>
+              <a:ext uri="{C183D7F6-B498-43B3-948B-1728B52AA6E4}">
+                <adec:decorative xmlns:adec="http://schemas.microsoft.com/office/drawing/2017/decorative" val="1"/>
+              </a:ext>
+            </a:extLst>
+          </p:cNvPr>
+          <p:cNvSpPr>
+            <a:spLocks noGrp="1" noRot="1" noChangeAspect="1" noMove="1" noResize="1" noEditPoints="1" noAdjustHandles="1" noChangeArrowheads="1" noChangeShapeType="1" noTextEdit="1"/>
+          </p:cNvSpPr>
+          <p:nvPr>
+            <p:extLst>
+              <p:ext uri="{386F3935-93C4-4BCD-93E2-E3B085C9AB24}">
+                <p16:designElem xmlns:p16="http://schemas.microsoft.com/office/powerpoint/2015/main" val="1"/>
+              </p:ext>
+            </p:extLst>
+          </p:nvPr>
+        </p:nvSpPr>
+        <p:spPr bwMode="ltGray">
+          <a:xfrm>
+            <a:off x="378068" y="343486"/>
+            <a:ext cx="11438793" cy="1844256"/>
+          </a:xfrm>
+          <a:prstGeom prst="rect">
+            <a:avLst/>
+          </a:prstGeom>
+          <a:solidFill>
+            <a:srgbClr val="404040"/>
+          </a:solidFill>
+          <a:ln w="127000" cap="sq" cmpd="thinThick">
+            <a:solidFill>
+              <a:srgbClr val="404040"/>
+            </a:solidFill>
+          </a:ln>
+        </p:spPr>
+        <p:style>
+          <a:lnRef idx="2">
+            <a:schemeClr val="accent1">
+              <a:shade val="50000"/>
+            </a:schemeClr>
+          </a:lnRef>
+          <a:fillRef idx="1">
+            <a:schemeClr val="accent1"/>
+          </a:fillRef>
+          <a:effectRef idx="0">
+            <a:schemeClr val="accent1"/>
+          </a:effectRef>
+          <a:fontRef idx="minor">
+            <a:schemeClr val="lt1"/>
+          </a:fontRef>
+        </p:style>
+        <p:txBody>
+          <a:bodyPr rtlCol="0" anchor="ctr"/>
+          <a:lstStyle/>
+          <a:p>
+            <a:pPr marL="0" marR="0" lvl="0" indent="0" algn="ctr" defTabSz="914400" rtl="0" eaLnBrk="1" fontAlgn="auto" latinLnBrk="0" hangingPunct="1">
+              <a:lnSpc>
+                <a:spcPct val="100000"/>
+              </a:lnSpc>
+              <a:spcBef>
+                <a:spcPts val="0"/>
+              </a:spcBef>
+              <a:spcAft>
+                <a:spcPts val="0"/>
+              </a:spcAft>
+              <a:buClrTx/>
+              <a:buSzTx/>
+              <a:buFontTx/>
+              <a:buNone/>
+              <a:tabLst/>
+              <a:defRPr/>
+            </a:pPr>
+            <a:endParaRPr kumimoji="0" lang="en-US" sz="1800" b="0" i="0" u="none" strike="noStrike" kern="1200" cap="none" spc="0" normalizeH="0" baseline="0" noProof="0">
+              <a:ln>
+                <a:noFill/>
+              </a:ln>
+              <a:solidFill>
+                <a:prstClr val="white"/>
+              </a:solidFill>
+              <a:effectLst/>
+              <a:uLnTx/>
+              <a:uFillTx/>
+              <a:latin typeface="Calibri" panose="020F0502020204030204"/>
+              <a:ea typeface="+mn-ea"/>
+              <a:cs typeface="+mn-cs"/>
+            </a:endParaRPr>
+          </a:p>
+        </p:txBody>
+      </p:sp>
+      <p:sp>
+        <p:nvSpPr>
+          <p:cNvPr id="2" name="Title 1">
+            <a:extLst>
+              <a:ext uri="{FF2B5EF4-FFF2-40B4-BE49-F238E27FC236}">
+                <a16:creationId xmlns:a16="http://schemas.microsoft.com/office/drawing/2014/main" id="{117745B6-28EB-4B04-83A1-57D8499EBF76}"/>
+              </a:ext>
+            </a:extLst>
+          </p:cNvPr>
+          <p:cNvSpPr>
+            <a:spLocks noGrp="1"/>
+          </p:cNvSpPr>
+          <p:nvPr>
+            <p:ph type="title"/>
+          </p:nvPr>
+        </p:nvSpPr>
+        <p:spPr>
+          <a:xfrm>
+            <a:off x="526073" y="466578"/>
+            <a:ext cx="11139854" cy="930447"/>
+          </a:xfrm>
+        </p:spPr>
+        <p:txBody>
+          <a:bodyPr vert="horz" lIns="91440" tIns="45720" rIns="91440" bIns="45720" rtlCol="0" anchor="b">
+            <a:normAutofit/>
+          </a:bodyPr>
+          <a:lstStyle/>
+          <a:p>
+            <a:pPr algn="ctr"/>
+            <a:endParaRPr lang="en-US" sz="5400" kern="1200">
+              <a:solidFill>
+                <a:srgbClr val="FFFFFF"/>
+              </a:solidFill>
+              <a:latin typeface="+mj-lt"/>
+              <a:ea typeface="+mj-ea"/>
+              <a:cs typeface="+mj-cs"/>
+            </a:endParaRPr>
+          </a:p>
+        </p:txBody>
+      </p:sp>
+      <p:cxnSp>
+        <p:nvCxnSpPr>
+          <p:cNvPr id="11" name="Straight Connector 10">
+            <a:extLst>
+              <a:ext uri="{FF2B5EF4-FFF2-40B4-BE49-F238E27FC236}">
+                <a16:creationId xmlns:a16="http://schemas.microsoft.com/office/drawing/2014/main" id="{7E7C77BC-7138-40B1-A15B-20F57A494629}"/>
+              </a:ext>
+              <a:ext uri="{C183D7F6-B498-43B3-948B-1728B52AA6E4}">
+                <adec:decorative xmlns:adec="http://schemas.microsoft.com/office/drawing/2017/decorative" val="1"/>
+              </a:ext>
+            </a:extLst>
+          </p:cNvPr>
+          <p:cNvCxnSpPr>
+            <a:cxnSpLocks noGrp="1" noRot="1" noChangeAspect="1" noMove="1" noResize="1" noEditPoints="1" noAdjustHandles="1" noChangeArrowheads="1" noChangeShapeType="1"/>
+          </p:cNvCxnSpPr>
+          <p:nvPr>
+            <p:extLst>
+              <p:ext uri="{386F3935-93C4-4BCD-93E2-E3B085C9AB24}">
+                <p16:designElem xmlns:p16="http://schemas.microsoft.com/office/powerpoint/2015/main" val="1"/>
+              </p:ext>
+            </p:extLst>
+          </p:nvPr>
+        </p:nvCxnSpPr>
+        <p:spPr>
+          <a:xfrm>
+            <a:off x="2209800" y="1448631"/>
+            <a:ext cx="7772400" cy="0"/>
+          </a:xfrm>
+          <a:prstGeom prst="line">
+            <a:avLst/>
+          </a:prstGeom>
+          <a:ln w="22225">
+            <a:solidFill>
+              <a:srgbClr val="D9D9D9"/>
+            </a:solidFill>
+          </a:ln>
+        </p:spPr>
+        <p:style>
+          <a:lnRef idx="1">
+            <a:schemeClr val="accent1"/>
+          </a:lnRef>
+          <a:fillRef idx="0">
+            <a:schemeClr val="accent1"/>
+          </a:fillRef>
+          <a:effectRef idx="0">
+            <a:schemeClr val="accent1"/>
+          </a:effectRef>
+          <a:fontRef idx="minor">
+            <a:schemeClr val="tx1"/>
+          </a:fontRef>
+        </p:style>
+      </p:cxnSp>
+      <p:pic>
+        <p:nvPicPr>
+          <p:cNvPr id="4" name="Content Placeholder 3" descr="A screenshot of a cell phone&#10;&#10;Description automatically generated">
+            <a:extLst>
+              <a:ext uri="{FF2B5EF4-FFF2-40B4-BE49-F238E27FC236}">
+                <a16:creationId xmlns:a16="http://schemas.microsoft.com/office/drawing/2014/main" id="{CDC6CE89-2BE4-46B4-BEF4-5AF85B528974}"/>
+              </a:ext>
+            </a:extLst>
+          </p:cNvPr>
+          <p:cNvPicPr>
+            <a:picLocks noGrp="1" noChangeAspect="1"/>
+          </p:cNvPicPr>
+          <p:nvPr>
+            <p:ph idx="1"/>
+          </p:nvPr>
+        </p:nvPicPr>
+        <p:blipFill>
+          <a:blip r:embed="rId2"/>
+          <a:stretch>
+            <a:fillRect/>
+          </a:stretch>
+        </p:blipFill>
+        <p:spPr>
+          <a:xfrm>
+            <a:off x="2546304" y="2509911"/>
+            <a:ext cx="7044293" cy="3997637"/>
+          </a:xfrm>
+          <a:prstGeom prst="rect">
+            <a:avLst/>
+          </a:prstGeom>
+        </p:spPr>
+      </p:pic>
+    </p:spTree>
+    <p:extLst>
+      <p:ext uri="{BB962C8B-B14F-4D97-AF65-F5344CB8AC3E}">
+        <p14:creationId xmlns:p14="http://schemas.microsoft.com/office/powerpoint/2010/main" val="2596715993"/>
+      </p:ext>
+    </p:extLst>
+  </p:cSld>
+  <p:clrMapOvr>
+    <a:masterClrMapping/>
+  </p:clrMapOvr>
+</p:sld>
+</file>
+
+<file path=ppt/slides/slide23.xml><?xml version="1.0" encoding="utf-8"?>
+<p:sld xmlns:a="http://schemas.openxmlformats.org/drawingml/2006/main" xmlns:r="http://schemas.openxmlformats.org/officeDocument/2006/relationships" xmlns:p="http://schemas.openxmlformats.org/presentationml/2006/main">
+  <p:cSld>
+    <p:bg>
+      <p:bgPr>
+        <a:solidFill>
+          <a:schemeClr val="bg1"/>
+        </a:solidFill>
+        <a:effectLst/>
+      </p:bgPr>
+    </p:bg>
+    <p:spTree>
+      <p:nvGrpSpPr>
+        <p:cNvPr id="1" name=""/>
+        <p:cNvGrpSpPr/>
+        <p:nvPr/>
+      </p:nvGrpSpPr>
+      <p:grpSpPr>
+        <a:xfrm>
+          <a:off x="0" y="0"/>
+          <a:ext cx="0" cy="0"/>
+          <a:chOff x="0" y="0"/>
+          <a:chExt cx="0" cy="0"/>
+        </a:xfrm>
+      </p:grpSpPr>
+      <p:sp>
+        <p:nvSpPr>
+          <p:cNvPr id="9" name="Rectangle 8">
+            <a:extLst>
+              <a:ext uri="{FF2B5EF4-FFF2-40B4-BE49-F238E27FC236}">
+                <a16:creationId xmlns:a16="http://schemas.microsoft.com/office/drawing/2014/main" id="{823AC064-BC96-4F32-8AE1-B2FD38754823}"/>
+              </a:ext>
+              <a:ext uri="{C183D7F6-B498-43B3-948B-1728B52AA6E4}">
+                <adec:decorative xmlns:adec="http://schemas.microsoft.com/office/drawing/2017/decorative" val="1"/>
+              </a:ext>
+            </a:extLst>
+          </p:cNvPr>
+          <p:cNvSpPr>
+            <a:spLocks noGrp="1" noRot="1" noChangeAspect="1" noMove="1" noResize="1" noEditPoints="1" noAdjustHandles="1" noChangeArrowheads="1" noChangeShapeType="1" noTextEdit="1"/>
+          </p:cNvSpPr>
+          <p:nvPr>
+            <p:extLst>
+              <p:ext uri="{386F3935-93C4-4BCD-93E2-E3B085C9AB24}">
+                <p16:designElem xmlns:p16="http://schemas.microsoft.com/office/powerpoint/2015/main" val="1"/>
+              </p:ext>
+            </p:extLst>
+          </p:nvPr>
+        </p:nvSpPr>
+        <p:spPr bwMode="ltGray">
+          <a:xfrm>
+            <a:off x="378068" y="343486"/>
+            <a:ext cx="11438793" cy="1844256"/>
+          </a:xfrm>
+          <a:prstGeom prst="rect">
+            <a:avLst/>
+          </a:prstGeom>
+          <a:solidFill>
+            <a:srgbClr val="404040"/>
+          </a:solidFill>
+          <a:ln w="127000" cap="sq" cmpd="thinThick">
+            <a:solidFill>
+              <a:srgbClr val="404040"/>
+            </a:solidFill>
+          </a:ln>
+        </p:spPr>
+        <p:style>
+          <a:lnRef idx="2">
+            <a:schemeClr val="accent1">
+              <a:shade val="50000"/>
+            </a:schemeClr>
+          </a:lnRef>
+          <a:fillRef idx="1">
+            <a:schemeClr val="accent1"/>
+          </a:fillRef>
+          <a:effectRef idx="0">
+            <a:schemeClr val="accent1"/>
+          </a:effectRef>
+          <a:fontRef idx="minor">
+            <a:schemeClr val="lt1"/>
+          </a:fontRef>
+        </p:style>
+        <p:txBody>
+          <a:bodyPr rtlCol="0" anchor="ctr"/>
+          <a:lstStyle/>
+          <a:p>
+            <a:pPr marL="0" marR="0" lvl="0" indent="0" algn="ctr" defTabSz="914400" rtl="0" eaLnBrk="1" fontAlgn="auto" latinLnBrk="0" hangingPunct="1">
+              <a:lnSpc>
+                <a:spcPct val="100000"/>
+              </a:lnSpc>
+              <a:spcBef>
+                <a:spcPts val="0"/>
+              </a:spcBef>
+              <a:spcAft>
+                <a:spcPts val="0"/>
+              </a:spcAft>
+              <a:buClrTx/>
+              <a:buSzTx/>
+              <a:buFontTx/>
+              <a:buNone/>
+              <a:tabLst/>
+              <a:defRPr/>
+            </a:pPr>
+            <a:endParaRPr kumimoji="0" lang="en-US" sz="1800" b="0" i="0" u="none" strike="noStrike" kern="1200" cap="none" spc="0" normalizeH="0" baseline="0" noProof="0">
+              <a:ln>
+                <a:noFill/>
+              </a:ln>
+              <a:solidFill>
+                <a:prstClr val="white"/>
+              </a:solidFill>
+              <a:effectLst/>
+              <a:uLnTx/>
+              <a:uFillTx/>
+              <a:latin typeface="Calibri" panose="020F0502020204030204"/>
+              <a:ea typeface="+mn-ea"/>
+              <a:cs typeface="+mn-cs"/>
+            </a:endParaRPr>
+          </a:p>
+        </p:txBody>
+      </p:sp>
+      <p:sp>
+        <p:nvSpPr>
+          <p:cNvPr id="2" name="Title 1">
+            <a:extLst>
+              <a:ext uri="{FF2B5EF4-FFF2-40B4-BE49-F238E27FC236}">
+                <a16:creationId xmlns:a16="http://schemas.microsoft.com/office/drawing/2014/main" id="{8589A26B-86CD-4E74-B0B5-AEDA9160D095}"/>
+              </a:ext>
+            </a:extLst>
+          </p:cNvPr>
+          <p:cNvSpPr>
+            <a:spLocks noGrp="1"/>
+          </p:cNvSpPr>
+          <p:nvPr>
+            <p:ph type="title"/>
+          </p:nvPr>
+        </p:nvSpPr>
+        <p:spPr>
+          <a:xfrm>
+            <a:off x="526073" y="466578"/>
+            <a:ext cx="11139854" cy="930447"/>
+          </a:xfrm>
+        </p:spPr>
+        <p:txBody>
+          <a:bodyPr vert="horz" lIns="91440" tIns="45720" rIns="91440" bIns="45720" rtlCol="0" anchor="b">
+            <a:normAutofit/>
+          </a:bodyPr>
+          <a:lstStyle/>
+          <a:p>
+            <a:pPr algn="ctr"/>
+            <a:endParaRPr lang="en-US" sz="5400" kern="1200">
+              <a:solidFill>
+                <a:srgbClr val="FFFFFF"/>
+              </a:solidFill>
+              <a:latin typeface="+mj-lt"/>
+              <a:ea typeface="+mj-ea"/>
+              <a:cs typeface="+mj-cs"/>
+            </a:endParaRPr>
+          </a:p>
+        </p:txBody>
+      </p:sp>
+      <p:cxnSp>
+        <p:nvCxnSpPr>
+          <p:cNvPr id="11" name="Straight Connector 10">
+            <a:extLst>
+              <a:ext uri="{FF2B5EF4-FFF2-40B4-BE49-F238E27FC236}">
+                <a16:creationId xmlns:a16="http://schemas.microsoft.com/office/drawing/2014/main" id="{7E7C77BC-7138-40B1-A15B-20F57A494629}"/>
+              </a:ext>
+              <a:ext uri="{C183D7F6-B498-43B3-948B-1728B52AA6E4}">
+                <adec:decorative xmlns:adec="http://schemas.microsoft.com/office/drawing/2017/decorative" val="1"/>
+              </a:ext>
+            </a:extLst>
+          </p:cNvPr>
+          <p:cNvCxnSpPr>
+            <a:cxnSpLocks noGrp="1" noRot="1" noChangeAspect="1" noMove="1" noResize="1" noEditPoints="1" noAdjustHandles="1" noChangeArrowheads="1" noChangeShapeType="1"/>
+          </p:cNvCxnSpPr>
+          <p:nvPr>
+            <p:extLst>
+              <p:ext uri="{386F3935-93C4-4BCD-93E2-E3B085C9AB24}">
+                <p16:designElem xmlns:p16="http://schemas.microsoft.com/office/powerpoint/2015/main" val="1"/>
+              </p:ext>
+            </p:extLst>
+          </p:nvPr>
+        </p:nvCxnSpPr>
+        <p:spPr>
+          <a:xfrm>
+            <a:off x="2209800" y="1448631"/>
+            <a:ext cx="7772400" cy="0"/>
+          </a:xfrm>
+          <a:prstGeom prst="line">
+            <a:avLst/>
+          </a:prstGeom>
+          <a:ln w="22225">
+            <a:solidFill>
+              <a:srgbClr val="D9D9D9"/>
+            </a:solidFill>
+          </a:ln>
+        </p:spPr>
+        <p:style>
+          <a:lnRef idx="1">
+            <a:schemeClr val="accent1"/>
+          </a:lnRef>
+          <a:fillRef idx="0">
+            <a:schemeClr val="accent1"/>
+          </a:fillRef>
+          <a:effectRef idx="0">
+            <a:schemeClr val="accent1"/>
+          </a:effectRef>
+          <a:fontRef idx="minor">
+            <a:schemeClr val="tx1"/>
+          </a:fontRef>
+        </p:style>
+      </p:cxnSp>
+      <p:pic>
+        <p:nvPicPr>
+          <p:cNvPr id="4" name="Content Placeholder 3">
+            <a:extLst>
+              <a:ext uri="{FF2B5EF4-FFF2-40B4-BE49-F238E27FC236}">
+                <a16:creationId xmlns:a16="http://schemas.microsoft.com/office/drawing/2014/main" id="{2A2EEAC2-CEB3-4D27-8746-A7F3061302FF}"/>
+              </a:ext>
+            </a:extLst>
+          </p:cNvPr>
+          <p:cNvPicPr>
+            <a:picLocks noGrp="1" noChangeAspect="1"/>
+          </p:cNvPicPr>
+          <p:nvPr>
+            <p:ph idx="1"/>
+          </p:nvPr>
+        </p:nvPicPr>
+        <p:blipFill>
+          <a:blip r:embed="rId2"/>
+          <a:stretch>
+            <a:fillRect/>
+          </a:stretch>
+        </p:blipFill>
+        <p:spPr>
+          <a:xfrm>
+            <a:off x="1420036" y="2509911"/>
+            <a:ext cx="9296828" cy="3997637"/>
+          </a:xfrm>
+          <a:prstGeom prst="rect">
+            <a:avLst/>
+          </a:prstGeom>
+        </p:spPr>
+      </p:pic>
+    </p:spTree>
+    <p:extLst>
+      <p:ext uri="{BB962C8B-B14F-4D97-AF65-F5344CB8AC3E}">
+        <p14:creationId xmlns:p14="http://schemas.microsoft.com/office/powerpoint/2010/main" val="640942735"/>
+      </p:ext>
+    </p:extLst>
+  </p:cSld>
+  <p:clrMapOvr>
+    <a:masterClrMapping/>
+  </p:clrMapOvr>
+</p:sld>
+</file>
+
+<file path=ppt/slides/slide24.xml><?xml version="1.0" encoding="utf-8"?>
+<p:sld xmlns:a="http://schemas.openxmlformats.org/drawingml/2006/main" xmlns:r="http://schemas.openxmlformats.org/officeDocument/2006/relationships" xmlns:p="http://schemas.openxmlformats.org/presentationml/2006/main">
+  <p:cSld>
+    <p:bg>
+      <p:bgPr>
+        <a:solidFill>
+          <a:schemeClr val="bg1"/>
+        </a:solidFill>
+        <a:effectLst/>
+      </p:bgPr>
+    </p:bg>
+    <p:spTree>
+      <p:nvGrpSpPr>
+        <p:cNvPr id="1" name=""/>
+        <p:cNvGrpSpPr/>
+        <p:nvPr/>
+      </p:nvGrpSpPr>
+      <p:grpSpPr>
+        <a:xfrm>
+          <a:off x="0" y="0"/>
+          <a:ext cx="0" cy="0"/>
+          <a:chOff x="0" y="0"/>
+          <a:chExt cx="0" cy="0"/>
+        </a:xfrm>
+      </p:grpSpPr>
+      <p:sp>
+        <p:nvSpPr>
+          <p:cNvPr id="9" name="Rectangle 8">
+            <a:extLst>
+              <a:ext uri="{FF2B5EF4-FFF2-40B4-BE49-F238E27FC236}">
+                <a16:creationId xmlns:a16="http://schemas.microsoft.com/office/drawing/2014/main" id="{823AC064-BC96-4F32-8AE1-B2FD38754823}"/>
+              </a:ext>
+              <a:ext uri="{C183D7F6-B498-43B3-948B-1728B52AA6E4}">
+                <adec:decorative xmlns:adec="http://schemas.microsoft.com/office/drawing/2017/decorative" val="1"/>
+              </a:ext>
+            </a:extLst>
+          </p:cNvPr>
+          <p:cNvSpPr>
+            <a:spLocks noGrp="1" noRot="1" noChangeAspect="1" noMove="1" noResize="1" noEditPoints="1" noAdjustHandles="1" noChangeArrowheads="1" noChangeShapeType="1" noTextEdit="1"/>
+          </p:cNvSpPr>
+          <p:nvPr>
+            <p:extLst>
+              <p:ext uri="{386F3935-93C4-4BCD-93E2-E3B085C9AB24}">
+                <p16:designElem xmlns:p16="http://schemas.microsoft.com/office/powerpoint/2015/main" val="1"/>
+              </p:ext>
+            </p:extLst>
+          </p:nvPr>
+        </p:nvSpPr>
+        <p:spPr bwMode="ltGray">
+          <a:xfrm>
+            <a:off x="378068" y="343486"/>
+            <a:ext cx="11438793" cy="1844256"/>
+          </a:xfrm>
+          <a:prstGeom prst="rect">
+            <a:avLst/>
+          </a:prstGeom>
+          <a:solidFill>
+            <a:srgbClr val="404040"/>
+          </a:solidFill>
+          <a:ln w="127000" cap="sq" cmpd="thinThick">
+            <a:solidFill>
+              <a:srgbClr val="404040"/>
+            </a:solidFill>
+          </a:ln>
+        </p:spPr>
+        <p:style>
+          <a:lnRef idx="2">
+            <a:schemeClr val="accent1">
+              <a:shade val="50000"/>
+            </a:schemeClr>
+          </a:lnRef>
+          <a:fillRef idx="1">
+            <a:schemeClr val="accent1"/>
+          </a:fillRef>
+          <a:effectRef idx="0">
+            <a:schemeClr val="accent1"/>
+          </a:effectRef>
+          <a:fontRef idx="minor">
+            <a:schemeClr val="lt1"/>
+          </a:fontRef>
+        </p:style>
+        <p:txBody>
+          <a:bodyPr rtlCol="0" anchor="ctr"/>
+          <a:lstStyle/>
+          <a:p>
+            <a:pPr marL="0" marR="0" lvl="0" indent="0" algn="ctr" defTabSz="914400" rtl="0" eaLnBrk="1" fontAlgn="auto" latinLnBrk="0" hangingPunct="1">
+              <a:lnSpc>
+                <a:spcPct val="100000"/>
+              </a:lnSpc>
+              <a:spcBef>
+                <a:spcPts val="0"/>
+              </a:spcBef>
+              <a:spcAft>
+                <a:spcPts val="0"/>
+              </a:spcAft>
+              <a:buClrTx/>
+              <a:buSzTx/>
+              <a:buFontTx/>
+              <a:buNone/>
+              <a:tabLst/>
+              <a:defRPr/>
+            </a:pPr>
+            <a:endParaRPr kumimoji="0" lang="en-US" sz="1800" b="0" i="0" u="none" strike="noStrike" kern="1200" cap="none" spc="0" normalizeH="0" baseline="0" noProof="0">
+              <a:ln>
+                <a:noFill/>
+              </a:ln>
+              <a:solidFill>
+                <a:prstClr val="white"/>
+              </a:solidFill>
+              <a:effectLst/>
+              <a:uLnTx/>
+              <a:uFillTx/>
+              <a:latin typeface="Calibri" panose="020F0502020204030204"/>
+              <a:ea typeface="+mn-ea"/>
+              <a:cs typeface="+mn-cs"/>
+            </a:endParaRPr>
+          </a:p>
+        </p:txBody>
+      </p:sp>
+      <p:sp>
+        <p:nvSpPr>
+          <p:cNvPr id="2" name="Title 1">
+            <a:extLst>
+              <a:ext uri="{FF2B5EF4-FFF2-40B4-BE49-F238E27FC236}">
+                <a16:creationId xmlns:a16="http://schemas.microsoft.com/office/drawing/2014/main" id="{CECC5185-5EA4-412E-8146-D866CB35A898}"/>
+              </a:ext>
+            </a:extLst>
+          </p:cNvPr>
+          <p:cNvSpPr>
+            <a:spLocks noGrp="1"/>
+          </p:cNvSpPr>
+          <p:nvPr>
+            <p:ph type="title"/>
+          </p:nvPr>
+        </p:nvSpPr>
+        <p:spPr>
+          <a:xfrm>
+            <a:off x="526073" y="466578"/>
+            <a:ext cx="11139854" cy="930447"/>
+          </a:xfrm>
+        </p:spPr>
+        <p:txBody>
+          <a:bodyPr vert="horz" lIns="91440" tIns="45720" rIns="91440" bIns="45720" rtlCol="0" anchor="b">
+            <a:normAutofit/>
+          </a:bodyPr>
+          <a:lstStyle/>
+          <a:p>
+            <a:pPr algn="ctr"/>
+            <a:endParaRPr lang="en-US" sz="5400" kern="1200">
+              <a:solidFill>
+                <a:srgbClr val="FFFFFF"/>
+              </a:solidFill>
+              <a:latin typeface="+mj-lt"/>
+              <a:ea typeface="+mj-ea"/>
+              <a:cs typeface="+mj-cs"/>
+            </a:endParaRPr>
+          </a:p>
+        </p:txBody>
+      </p:sp>
+      <p:cxnSp>
+        <p:nvCxnSpPr>
+          <p:cNvPr id="11" name="Straight Connector 10">
+            <a:extLst>
+              <a:ext uri="{FF2B5EF4-FFF2-40B4-BE49-F238E27FC236}">
+                <a16:creationId xmlns:a16="http://schemas.microsoft.com/office/drawing/2014/main" id="{7E7C77BC-7138-40B1-A15B-20F57A494629}"/>
+              </a:ext>
+              <a:ext uri="{C183D7F6-B498-43B3-948B-1728B52AA6E4}">
+                <adec:decorative xmlns:adec="http://schemas.microsoft.com/office/drawing/2017/decorative" val="1"/>
+              </a:ext>
+            </a:extLst>
+          </p:cNvPr>
+          <p:cNvCxnSpPr>
+            <a:cxnSpLocks noGrp="1" noRot="1" noChangeAspect="1" noMove="1" noResize="1" noEditPoints="1" noAdjustHandles="1" noChangeArrowheads="1" noChangeShapeType="1"/>
+          </p:cNvCxnSpPr>
+          <p:nvPr>
+            <p:extLst>
+              <p:ext uri="{386F3935-93C4-4BCD-93E2-E3B085C9AB24}">
+                <p16:designElem xmlns:p16="http://schemas.microsoft.com/office/powerpoint/2015/main" val="1"/>
+              </p:ext>
+            </p:extLst>
+          </p:nvPr>
+        </p:nvCxnSpPr>
+        <p:spPr>
+          <a:xfrm>
+            <a:off x="2209800" y="1448631"/>
+            <a:ext cx="7772400" cy="0"/>
+          </a:xfrm>
+          <a:prstGeom prst="line">
+            <a:avLst/>
+          </a:prstGeom>
+          <a:ln w="22225">
+            <a:solidFill>
+              <a:srgbClr val="D9D9D9"/>
+            </a:solidFill>
+          </a:ln>
+        </p:spPr>
+        <p:style>
+          <a:lnRef idx="1">
+            <a:schemeClr val="accent1"/>
+          </a:lnRef>
+          <a:fillRef idx="0">
+            <a:schemeClr val="accent1"/>
+          </a:fillRef>
+          <a:effectRef idx="0">
+            <a:schemeClr val="accent1"/>
+          </a:effectRef>
+          <a:fontRef idx="minor">
+            <a:schemeClr val="tx1"/>
+          </a:fontRef>
+        </p:style>
+      </p:cxnSp>
+      <p:pic>
+        <p:nvPicPr>
+          <p:cNvPr id="4" name="Content Placeholder 3">
+            <a:extLst>
+              <a:ext uri="{FF2B5EF4-FFF2-40B4-BE49-F238E27FC236}">
+                <a16:creationId xmlns:a16="http://schemas.microsoft.com/office/drawing/2014/main" id="{5FBF3634-352C-4A56-BBC1-714FAA44CD00}"/>
+              </a:ext>
+            </a:extLst>
+          </p:cNvPr>
+          <p:cNvPicPr>
+            <a:picLocks noGrp="1" noChangeAspect="1"/>
+          </p:cNvPicPr>
+          <p:nvPr>
+            <p:ph idx="1"/>
+          </p:nvPr>
+        </p:nvPicPr>
+        <p:blipFill>
+          <a:blip r:embed="rId2"/>
+          <a:stretch>
+            <a:fillRect/>
+          </a:stretch>
+        </p:blipFill>
+        <p:spPr>
+          <a:xfrm>
+            <a:off x="2168318" y="2509911"/>
+            <a:ext cx="7800265" cy="3997637"/>
+          </a:xfrm>
+          <a:prstGeom prst="rect">
+            <a:avLst/>
+          </a:prstGeom>
+        </p:spPr>
+      </p:pic>
+    </p:spTree>
+    <p:extLst>
+      <p:ext uri="{BB962C8B-B14F-4D97-AF65-F5344CB8AC3E}">
+        <p14:creationId xmlns:p14="http://schemas.microsoft.com/office/powerpoint/2010/main" val="1034722433"/>
+      </p:ext>
+    </p:extLst>
+  </p:cSld>
+  <p:clrMapOvr>
+    <a:masterClrMapping/>
+  </p:clrMapOvr>
+</p:sld>
+</file>
+
+<file path=ppt/slides/slide25.xml><?xml version="1.0" encoding="utf-8"?>
+<p:sld xmlns:a="http://schemas.openxmlformats.org/drawingml/2006/main" xmlns:r="http://schemas.openxmlformats.org/officeDocument/2006/relationships" xmlns:p="http://schemas.openxmlformats.org/presentationml/2006/main">
+  <p:cSld>
+    <p:spTree>
+      <p:nvGrpSpPr>
+        <p:cNvPr id="1" name=""/>
+        <p:cNvGrpSpPr/>
+        <p:nvPr/>
+      </p:nvGrpSpPr>
+      <p:grpSpPr>
+        <a:xfrm>
+          <a:off x="0" y="0"/>
+          <a:ext cx="0" cy="0"/>
+          <a:chOff x="0" y="0"/>
+          <a:chExt cx="0" cy="0"/>
+        </a:xfrm>
+      </p:grpSpPr>
+      <p:sp>
+        <p:nvSpPr>
+          <p:cNvPr id="2" name="Title 1">
+            <a:extLst>
+              <a:ext uri="{FF2B5EF4-FFF2-40B4-BE49-F238E27FC236}">
+                <a16:creationId xmlns:a16="http://schemas.microsoft.com/office/drawing/2014/main" id="{F18BA915-456E-41C8-9292-84AA25EB09CE}"/>
+              </a:ext>
+            </a:extLst>
+          </p:cNvPr>
+          <p:cNvSpPr>
+            <a:spLocks noGrp="1"/>
+          </p:cNvSpPr>
+          <p:nvPr>
+            <p:ph type="title"/>
+          </p:nvPr>
+        </p:nvSpPr>
+        <p:spPr/>
+        <p:txBody>
+          <a:bodyPr/>
+          <a:lstStyle/>
+          <a:p>
+            <a:endParaRPr lang="en-ID"/>
+          </a:p>
+        </p:txBody>
+      </p:sp>
+      <p:pic>
+        <p:nvPicPr>
+          <p:cNvPr id="4" name="Content Placeholder 3">
+            <a:extLst>
+              <a:ext uri="{FF2B5EF4-FFF2-40B4-BE49-F238E27FC236}">
+                <a16:creationId xmlns:a16="http://schemas.microsoft.com/office/drawing/2014/main" id="{4DFC5720-C7B3-47D4-815B-CC700638B863}"/>
+              </a:ext>
+            </a:extLst>
+          </p:cNvPr>
+          <p:cNvPicPr>
+            <a:picLocks noGrp="1" noChangeAspect="1"/>
+          </p:cNvPicPr>
+          <p:nvPr>
+            <p:ph idx="1"/>
+          </p:nvPr>
+        </p:nvPicPr>
+        <p:blipFill>
+          <a:blip r:embed="rId2"/>
+          <a:stretch>
+            <a:fillRect/>
+          </a:stretch>
+        </p:blipFill>
+        <p:spPr>
+          <a:xfrm>
+            <a:off x="1659675" y="1825625"/>
+            <a:ext cx="8872650" cy="4351338"/>
+          </a:xfrm>
+          <a:prstGeom prst="rect">
+            <a:avLst/>
+          </a:prstGeom>
+        </p:spPr>
+      </p:pic>
+    </p:spTree>
+    <p:extLst>
+      <p:ext uri="{BB962C8B-B14F-4D97-AF65-F5344CB8AC3E}">
+        <p14:creationId xmlns:p14="http://schemas.microsoft.com/office/powerpoint/2010/main" val="1723352503"/>
+      </p:ext>
+    </p:extLst>
+  </p:cSld>
+  <p:clrMapOvr>
+    <a:masterClrMapping/>
+  </p:clrMapOvr>
+</p:sld>
+</file>
+
+<file path=ppt/slides/slide26.xml><?xml version="1.0" encoding="utf-8"?>
+<p:sld xmlns:a="http://schemas.openxmlformats.org/drawingml/2006/main" xmlns:r="http://schemas.openxmlformats.org/officeDocument/2006/relationships" xmlns:p="http://schemas.openxmlformats.org/presentationml/2006/main">
+  <p:cSld>
+    <p:bg>
+      <p:bgPr>
+        <a:solidFill>
+          <a:schemeClr val="bg1"/>
+        </a:solidFill>
+        <a:effectLst/>
+      </p:bgPr>
+    </p:bg>
+    <p:spTree>
+      <p:nvGrpSpPr>
+        <p:cNvPr id="1" name=""/>
+        <p:cNvGrpSpPr/>
+        <p:nvPr/>
+      </p:nvGrpSpPr>
+      <p:grpSpPr>
+        <a:xfrm>
+          <a:off x="0" y="0"/>
+          <a:ext cx="0" cy="0"/>
+          <a:chOff x="0" y="0"/>
+          <a:chExt cx="0" cy="0"/>
+        </a:xfrm>
+      </p:grpSpPr>
+      <p:sp>
+        <p:nvSpPr>
+          <p:cNvPr id="9" name="Rectangle 8">
+            <a:extLst>
+              <a:ext uri="{FF2B5EF4-FFF2-40B4-BE49-F238E27FC236}">
+                <a16:creationId xmlns:a16="http://schemas.microsoft.com/office/drawing/2014/main" id="{823AC064-BC96-4F32-8AE1-B2FD38754823}"/>
+              </a:ext>
+              <a:ext uri="{C183D7F6-B498-43B3-948B-1728B52AA6E4}">
+                <adec:decorative xmlns:adec="http://schemas.microsoft.com/office/drawing/2017/decorative" val="1"/>
+              </a:ext>
+            </a:extLst>
+          </p:cNvPr>
+          <p:cNvSpPr>
+            <a:spLocks noGrp="1" noRot="1" noChangeAspect="1" noMove="1" noResize="1" noEditPoints="1" noAdjustHandles="1" noChangeArrowheads="1" noChangeShapeType="1" noTextEdit="1"/>
+          </p:cNvSpPr>
+          <p:nvPr>
+            <p:extLst>
+              <p:ext uri="{386F3935-93C4-4BCD-93E2-E3B085C9AB24}">
+                <p16:designElem xmlns:p16="http://schemas.microsoft.com/office/powerpoint/2015/main" val="1"/>
+              </p:ext>
+            </p:extLst>
+          </p:nvPr>
+        </p:nvSpPr>
+        <p:spPr bwMode="ltGray">
+          <a:xfrm>
+            <a:off x="378068" y="343486"/>
+            <a:ext cx="11438793" cy="1844256"/>
+          </a:xfrm>
+          <a:prstGeom prst="rect">
+            <a:avLst/>
+          </a:prstGeom>
+          <a:solidFill>
+            <a:srgbClr val="404040"/>
+          </a:solidFill>
+          <a:ln w="127000" cap="sq" cmpd="thinThick">
+            <a:solidFill>
+              <a:srgbClr val="404040"/>
+            </a:solidFill>
+          </a:ln>
+        </p:spPr>
+        <p:style>
+          <a:lnRef idx="2">
+            <a:schemeClr val="accent1">
+              <a:shade val="50000"/>
+            </a:schemeClr>
+          </a:lnRef>
+          <a:fillRef idx="1">
+            <a:schemeClr val="accent1"/>
+          </a:fillRef>
+          <a:effectRef idx="0">
+            <a:schemeClr val="accent1"/>
+          </a:effectRef>
+          <a:fontRef idx="minor">
+            <a:schemeClr val="lt1"/>
+          </a:fontRef>
+        </p:style>
+        <p:txBody>
+          <a:bodyPr rtlCol="0" anchor="ctr"/>
+          <a:lstStyle/>
+          <a:p>
+            <a:pPr marL="0" marR="0" lvl="0" indent="0" algn="ctr" defTabSz="914400" rtl="0" eaLnBrk="1" fontAlgn="auto" latinLnBrk="0" hangingPunct="1">
+              <a:lnSpc>
+                <a:spcPct val="100000"/>
+              </a:lnSpc>
+              <a:spcBef>
+                <a:spcPts val="0"/>
+              </a:spcBef>
+              <a:spcAft>
+                <a:spcPts val="0"/>
+              </a:spcAft>
+              <a:buClrTx/>
+              <a:buSzTx/>
+              <a:buFontTx/>
+              <a:buNone/>
+              <a:tabLst/>
+              <a:defRPr/>
+            </a:pPr>
+            <a:endParaRPr kumimoji="0" lang="en-US" sz="1800" b="0" i="0" u="none" strike="noStrike" kern="1200" cap="none" spc="0" normalizeH="0" baseline="0" noProof="0">
+              <a:ln>
+                <a:noFill/>
+              </a:ln>
+              <a:solidFill>
+                <a:prstClr val="white"/>
+              </a:solidFill>
+              <a:effectLst/>
+              <a:uLnTx/>
+              <a:uFillTx/>
+              <a:latin typeface="Calibri" panose="020F0502020204030204"/>
+              <a:ea typeface="+mn-ea"/>
+              <a:cs typeface="+mn-cs"/>
+            </a:endParaRPr>
+          </a:p>
+        </p:txBody>
+      </p:sp>
+      <p:sp>
+        <p:nvSpPr>
+          <p:cNvPr id="2" name="Title 1">
+            <a:extLst>
+              <a:ext uri="{FF2B5EF4-FFF2-40B4-BE49-F238E27FC236}">
+                <a16:creationId xmlns:a16="http://schemas.microsoft.com/office/drawing/2014/main" id="{FE62B965-B61C-472F-8A4E-7CB2B4EE0207}"/>
+              </a:ext>
+            </a:extLst>
+          </p:cNvPr>
+          <p:cNvSpPr>
+            <a:spLocks noGrp="1"/>
+          </p:cNvSpPr>
+          <p:nvPr>
+            <p:ph type="title"/>
+          </p:nvPr>
+        </p:nvSpPr>
+        <p:spPr>
+          <a:xfrm>
+            <a:off x="526073" y="466578"/>
+            <a:ext cx="11139854" cy="930447"/>
+          </a:xfrm>
+        </p:spPr>
+        <p:txBody>
+          <a:bodyPr vert="horz" lIns="91440" tIns="45720" rIns="91440" bIns="45720" rtlCol="0" anchor="b">
+            <a:normAutofit/>
+          </a:bodyPr>
+          <a:lstStyle/>
+          <a:p>
+            <a:pPr algn="ctr"/>
+            <a:endParaRPr lang="en-US" sz="5400" kern="1200">
+              <a:solidFill>
+                <a:srgbClr val="FFFFFF"/>
+              </a:solidFill>
+              <a:latin typeface="+mj-lt"/>
+              <a:ea typeface="+mj-ea"/>
+              <a:cs typeface="+mj-cs"/>
+            </a:endParaRPr>
+          </a:p>
+        </p:txBody>
+      </p:sp>
+      <p:cxnSp>
+        <p:nvCxnSpPr>
+          <p:cNvPr id="11" name="Straight Connector 10">
+            <a:extLst>
+              <a:ext uri="{FF2B5EF4-FFF2-40B4-BE49-F238E27FC236}">
+                <a16:creationId xmlns:a16="http://schemas.microsoft.com/office/drawing/2014/main" id="{7E7C77BC-7138-40B1-A15B-20F57A494629}"/>
+              </a:ext>
+              <a:ext uri="{C183D7F6-B498-43B3-948B-1728B52AA6E4}">
+                <adec:decorative xmlns:adec="http://schemas.microsoft.com/office/drawing/2017/decorative" val="1"/>
+              </a:ext>
+            </a:extLst>
+          </p:cNvPr>
+          <p:cNvCxnSpPr>
+            <a:cxnSpLocks noGrp="1" noRot="1" noChangeAspect="1" noMove="1" noResize="1" noEditPoints="1" noAdjustHandles="1" noChangeArrowheads="1" noChangeShapeType="1"/>
+          </p:cNvCxnSpPr>
+          <p:nvPr>
+            <p:extLst>
+              <p:ext uri="{386F3935-93C4-4BCD-93E2-E3B085C9AB24}">
+                <p16:designElem xmlns:p16="http://schemas.microsoft.com/office/powerpoint/2015/main" val="1"/>
+              </p:ext>
+            </p:extLst>
+          </p:nvPr>
+        </p:nvCxnSpPr>
+        <p:spPr>
+          <a:xfrm>
+            <a:off x="2209800" y="1448631"/>
+            <a:ext cx="7772400" cy="0"/>
+          </a:xfrm>
+          <a:prstGeom prst="line">
+            <a:avLst/>
+          </a:prstGeom>
+          <a:ln w="22225">
+            <a:solidFill>
+              <a:srgbClr val="D9D9D9"/>
+            </a:solidFill>
+          </a:ln>
+        </p:spPr>
+        <p:style>
+          <a:lnRef idx="1">
+            <a:schemeClr val="accent1"/>
+          </a:lnRef>
+          <a:fillRef idx="0">
+            <a:schemeClr val="accent1"/>
+          </a:fillRef>
+          <a:effectRef idx="0">
+            <a:schemeClr val="accent1"/>
+          </a:effectRef>
+          <a:fontRef idx="minor">
+            <a:schemeClr val="tx1"/>
+          </a:fontRef>
+        </p:style>
+      </p:cxnSp>
+      <p:pic>
+        <p:nvPicPr>
+          <p:cNvPr id="4" name="Content Placeholder 3">
+            <a:extLst>
+              <a:ext uri="{FF2B5EF4-FFF2-40B4-BE49-F238E27FC236}">
+                <a16:creationId xmlns:a16="http://schemas.microsoft.com/office/drawing/2014/main" id="{F9FAA6BB-74AB-4FCC-8EF9-8240C88AB360}"/>
+              </a:ext>
+            </a:extLst>
+          </p:cNvPr>
+          <p:cNvPicPr>
+            <a:picLocks noGrp="1" noChangeAspect="1"/>
+          </p:cNvPicPr>
+          <p:nvPr>
+            <p:ph idx="1"/>
+          </p:nvPr>
+        </p:nvPicPr>
+        <p:blipFill rotWithShape="1">
+          <a:blip r:embed="rId2"/>
+          <a:srcRect l="-4012" t="-3101" r="4012" b="3101"/>
+          <a:stretch/>
+        </p:blipFill>
+        <p:spPr>
+          <a:xfrm>
+            <a:off x="1860412" y="2509911"/>
+            <a:ext cx="8416076" cy="3997637"/>
+          </a:xfrm>
+          <a:prstGeom prst="rect">
+            <a:avLst/>
+          </a:prstGeom>
+        </p:spPr>
+      </p:pic>
+    </p:spTree>
+    <p:extLst>
+      <p:ext uri="{BB962C8B-B14F-4D97-AF65-F5344CB8AC3E}">
+        <p14:creationId xmlns:p14="http://schemas.microsoft.com/office/powerpoint/2010/main" val="3123422816"/>
+      </p:ext>
+    </p:extLst>
+  </p:cSld>
+  <p:clrMapOvr>
+    <a:masterClrMapping/>
+  </p:clrMapOvr>
+</p:sld>
+</file>
+
+<file path=ppt/slides/slide27.xml><?xml version="1.0" encoding="utf-8"?>
+<p:sld xmlns:a="http://schemas.openxmlformats.org/drawingml/2006/main" xmlns:r="http://schemas.openxmlformats.org/officeDocument/2006/relationships" xmlns:p="http://schemas.openxmlformats.org/presentationml/2006/main">
+  <p:cSld>
+    <p:bg>
+      <p:bgPr>
+        <a:solidFill>
+          <a:schemeClr val="bg1"/>
+        </a:solidFill>
+        <a:effectLst/>
+      </p:bgPr>
+    </p:bg>
+    <p:spTree>
+      <p:nvGrpSpPr>
+        <p:cNvPr id="1" name=""/>
+        <p:cNvGrpSpPr/>
+        <p:nvPr/>
+      </p:nvGrpSpPr>
+      <p:grpSpPr>
+        <a:xfrm>
+          <a:off x="0" y="0"/>
+          <a:ext cx="0" cy="0"/>
+          <a:chOff x="0" y="0"/>
+          <a:chExt cx="0" cy="0"/>
+        </a:xfrm>
+      </p:grpSpPr>
+      <p:sp>
+        <p:nvSpPr>
+          <p:cNvPr id="9" name="Rectangle 8">
+            <a:extLst>
+              <a:ext uri="{FF2B5EF4-FFF2-40B4-BE49-F238E27FC236}">
+                <a16:creationId xmlns:a16="http://schemas.microsoft.com/office/drawing/2014/main" id="{823AC064-BC96-4F32-8AE1-B2FD38754823}"/>
+              </a:ext>
+              <a:ext uri="{C183D7F6-B498-43B3-948B-1728B52AA6E4}">
+                <adec:decorative xmlns:adec="http://schemas.microsoft.com/office/drawing/2017/decorative" val="1"/>
+              </a:ext>
+            </a:extLst>
+          </p:cNvPr>
+          <p:cNvSpPr>
+            <a:spLocks noGrp="1" noRot="1" noChangeAspect="1" noMove="1" noResize="1" noEditPoints="1" noAdjustHandles="1" noChangeArrowheads="1" noChangeShapeType="1" noTextEdit="1"/>
+          </p:cNvSpPr>
+          <p:nvPr>
+            <p:extLst>
+              <p:ext uri="{386F3935-93C4-4BCD-93E2-E3B085C9AB24}">
+                <p16:designElem xmlns:p16="http://schemas.microsoft.com/office/powerpoint/2015/main" val="1"/>
+              </p:ext>
+            </p:extLst>
+          </p:nvPr>
+        </p:nvSpPr>
+        <p:spPr bwMode="ltGray">
+          <a:xfrm>
+            <a:off x="378068" y="343486"/>
+            <a:ext cx="11438793" cy="1844256"/>
+          </a:xfrm>
+          <a:prstGeom prst="rect">
+            <a:avLst/>
+          </a:prstGeom>
+          <a:solidFill>
+            <a:srgbClr val="404040"/>
+          </a:solidFill>
+          <a:ln w="127000" cap="sq" cmpd="thinThick">
+            <a:solidFill>
+              <a:srgbClr val="404040"/>
+            </a:solidFill>
+          </a:ln>
+        </p:spPr>
+        <p:style>
+          <a:lnRef idx="2">
+            <a:schemeClr val="accent1">
+              <a:shade val="50000"/>
+            </a:schemeClr>
+          </a:lnRef>
+          <a:fillRef idx="1">
+            <a:schemeClr val="accent1"/>
+          </a:fillRef>
+          <a:effectRef idx="0">
+            <a:schemeClr val="accent1"/>
+          </a:effectRef>
+          <a:fontRef idx="minor">
+            <a:schemeClr val="lt1"/>
+          </a:fontRef>
+        </p:style>
+        <p:txBody>
+          <a:bodyPr rtlCol="0" anchor="ctr"/>
+          <a:lstStyle/>
+          <a:p>
+            <a:pPr marL="0" marR="0" lvl="0" indent="0" algn="ctr" defTabSz="914400" rtl="0" eaLnBrk="1" fontAlgn="auto" latinLnBrk="0" hangingPunct="1">
+              <a:lnSpc>
+                <a:spcPct val="100000"/>
+              </a:lnSpc>
+              <a:spcBef>
+                <a:spcPts val="0"/>
+              </a:spcBef>
+              <a:spcAft>
+                <a:spcPts val="0"/>
+              </a:spcAft>
+              <a:buClrTx/>
+              <a:buSzTx/>
+              <a:buFontTx/>
+              <a:buNone/>
+              <a:tabLst/>
+              <a:defRPr/>
+            </a:pPr>
+            <a:endParaRPr kumimoji="0" lang="en-US" sz="1800" b="0" i="0" u="none" strike="noStrike" kern="1200" cap="none" spc="0" normalizeH="0" baseline="0" noProof="0">
+              <a:ln>
+                <a:noFill/>
+              </a:ln>
+              <a:solidFill>
+                <a:prstClr val="white"/>
+              </a:solidFill>
+              <a:effectLst/>
+              <a:uLnTx/>
+              <a:uFillTx/>
+              <a:latin typeface="Calibri" panose="020F0502020204030204"/>
+              <a:ea typeface="+mn-ea"/>
+              <a:cs typeface="+mn-cs"/>
+            </a:endParaRPr>
+          </a:p>
+        </p:txBody>
+      </p:sp>
+      <p:sp>
+        <p:nvSpPr>
+          <p:cNvPr id="2" name="Title 1">
+            <a:extLst>
+              <a:ext uri="{FF2B5EF4-FFF2-40B4-BE49-F238E27FC236}">
+                <a16:creationId xmlns:a16="http://schemas.microsoft.com/office/drawing/2014/main" id="{D9DB3035-424E-44D8-BE12-03DB2C679C61}"/>
+              </a:ext>
+            </a:extLst>
+          </p:cNvPr>
+          <p:cNvSpPr>
+            <a:spLocks noGrp="1"/>
+          </p:cNvSpPr>
+          <p:nvPr>
+            <p:ph type="title"/>
+          </p:nvPr>
+        </p:nvSpPr>
+        <p:spPr>
+          <a:xfrm>
+            <a:off x="526073" y="466578"/>
+            <a:ext cx="11139854" cy="930447"/>
+          </a:xfrm>
+        </p:spPr>
+        <p:txBody>
+          <a:bodyPr vert="horz" lIns="91440" tIns="45720" rIns="91440" bIns="45720" rtlCol="0" anchor="b">
+            <a:normAutofit/>
+          </a:bodyPr>
+          <a:lstStyle/>
+          <a:p>
+            <a:pPr algn="ctr"/>
+            <a:endParaRPr lang="en-US" sz="5400" kern="1200">
+              <a:solidFill>
+                <a:srgbClr val="FFFFFF"/>
+              </a:solidFill>
+              <a:latin typeface="+mj-lt"/>
+              <a:ea typeface="+mj-ea"/>
+              <a:cs typeface="+mj-cs"/>
+            </a:endParaRPr>
+          </a:p>
+        </p:txBody>
+      </p:sp>
+      <p:cxnSp>
+        <p:nvCxnSpPr>
+          <p:cNvPr id="11" name="Straight Connector 10">
+            <a:extLst>
+              <a:ext uri="{FF2B5EF4-FFF2-40B4-BE49-F238E27FC236}">
+                <a16:creationId xmlns:a16="http://schemas.microsoft.com/office/drawing/2014/main" id="{7E7C77BC-7138-40B1-A15B-20F57A494629}"/>
+              </a:ext>
+              <a:ext uri="{C183D7F6-B498-43B3-948B-1728B52AA6E4}">
+                <adec:decorative xmlns:adec="http://schemas.microsoft.com/office/drawing/2017/decorative" val="1"/>
+              </a:ext>
+            </a:extLst>
+          </p:cNvPr>
+          <p:cNvCxnSpPr>
+            <a:cxnSpLocks noGrp="1" noRot="1" noChangeAspect="1" noMove="1" noResize="1" noEditPoints="1" noAdjustHandles="1" noChangeArrowheads="1" noChangeShapeType="1"/>
+          </p:cNvCxnSpPr>
+          <p:nvPr>
+            <p:extLst>
+              <p:ext uri="{386F3935-93C4-4BCD-93E2-E3B085C9AB24}">
+                <p16:designElem xmlns:p16="http://schemas.microsoft.com/office/powerpoint/2015/main" val="1"/>
+              </p:ext>
+            </p:extLst>
+          </p:nvPr>
+        </p:nvCxnSpPr>
+        <p:spPr>
+          <a:xfrm>
+            <a:off x="2209800" y="1448631"/>
+            <a:ext cx="7772400" cy="0"/>
+          </a:xfrm>
+          <a:prstGeom prst="line">
+            <a:avLst/>
+          </a:prstGeom>
+          <a:ln w="22225">
+            <a:solidFill>
+              <a:srgbClr val="D9D9D9"/>
+            </a:solidFill>
+          </a:ln>
+        </p:spPr>
+        <p:style>
+          <a:lnRef idx="1">
+            <a:schemeClr val="accent1"/>
+          </a:lnRef>
+          <a:fillRef idx="0">
+            <a:schemeClr val="accent1"/>
+          </a:fillRef>
+          <a:effectRef idx="0">
+            <a:schemeClr val="accent1"/>
+          </a:effectRef>
+          <a:fontRef idx="minor">
+            <a:schemeClr val="tx1"/>
+          </a:fontRef>
+        </p:style>
+      </p:cxnSp>
+      <p:pic>
+        <p:nvPicPr>
+          <p:cNvPr id="4" name="Content Placeholder 3">
+            <a:extLst>
+              <a:ext uri="{FF2B5EF4-FFF2-40B4-BE49-F238E27FC236}">
+                <a16:creationId xmlns:a16="http://schemas.microsoft.com/office/drawing/2014/main" id="{B9B2E795-195A-4657-8CAC-FE081CE11A04}"/>
+              </a:ext>
+            </a:extLst>
+          </p:cNvPr>
+          <p:cNvPicPr>
+            <a:picLocks noGrp="1" noChangeAspect="1"/>
+          </p:cNvPicPr>
+          <p:nvPr>
+            <p:ph idx="1"/>
+          </p:nvPr>
+        </p:nvPicPr>
+        <p:blipFill>
+          <a:blip r:embed="rId2"/>
+          <a:stretch>
+            <a:fillRect/>
+          </a:stretch>
+        </p:blipFill>
+        <p:spPr>
+          <a:xfrm>
+            <a:off x="2070813" y="2509911"/>
+            <a:ext cx="7995274" cy="3997637"/>
+          </a:xfrm>
+          <a:prstGeom prst="rect">
+            <a:avLst/>
+          </a:prstGeom>
+        </p:spPr>
+      </p:pic>
+    </p:spTree>
+    <p:extLst>
+      <p:ext uri="{BB962C8B-B14F-4D97-AF65-F5344CB8AC3E}">
+        <p14:creationId xmlns:p14="http://schemas.microsoft.com/office/powerpoint/2010/main" val="212690464"/>
+      </p:ext>
+    </p:extLst>
+  </p:cSld>
+  <p:clrMapOvr>
+    <a:masterClrMapping/>
+  </p:clrMapOvr>
+</p:sld>
+</file>
+
+<file path=ppt/slides/slide28.xml><?xml version="1.0" encoding="utf-8"?>
 <p:sld xmlns:a="http://schemas.openxmlformats.org/drawingml/2006/main" xmlns:r="http://schemas.openxmlformats.org/officeDocument/2006/relationships" xmlns:p="http://schemas.openxmlformats.org/presentationml/2006/main">
   <p:cSld>
     <p:bg>
@@ -8873,225 +12509,6 @@
 </p:sld>
 </file>
 
-<file path=ppt/slides/slide2.xml><?xml version="1.0" encoding="utf-8"?>
-<p:sld xmlns:a="http://schemas.openxmlformats.org/drawingml/2006/main" xmlns:r="http://schemas.openxmlformats.org/officeDocument/2006/relationships" xmlns:p="http://schemas.openxmlformats.org/presentationml/2006/main">
-  <p:cSld>
-    <p:spTree>
-      <p:nvGrpSpPr>
-        <p:cNvPr id="1" name=""/>
-        <p:cNvGrpSpPr/>
-        <p:nvPr/>
-      </p:nvGrpSpPr>
-      <p:grpSpPr>
-        <a:xfrm>
-          <a:off x="0" y="0"/>
-          <a:ext cx="0" cy="0"/>
-          <a:chOff x="0" y="0"/>
-          <a:chExt cx="0" cy="0"/>
-        </a:xfrm>
-      </p:grpSpPr>
-      <p:sp>
-        <p:nvSpPr>
-          <p:cNvPr id="2" name="Title 1">
-            <a:extLst>
-              <a:ext uri="{FF2B5EF4-FFF2-40B4-BE49-F238E27FC236}">
-                <a16:creationId xmlns:a16="http://schemas.microsoft.com/office/drawing/2014/main" id="{97AC8C77-23DD-427A-B8FC-C9AD6E638F87}"/>
-              </a:ext>
-            </a:extLst>
-          </p:cNvPr>
-          <p:cNvSpPr>
-            <a:spLocks noGrp="1"/>
-          </p:cNvSpPr>
-          <p:nvPr>
-            <p:ph type="title"/>
-          </p:nvPr>
-        </p:nvSpPr>
-        <p:spPr/>
-        <p:txBody>
-          <a:bodyPr/>
-          <a:lstStyle/>
-          <a:p>
-            <a:r>
-              <a:rPr lang="en-US" dirty="0" err="1"/>
-              <a:t>Pengertian</a:t>
-            </a:r>
-            <a:endParaRPr lang="en-ID" dirty="0"/>
-          </a:p>
-        </p:txBody>
-      </p:sp>
-      <p:sp>
-        <p:nvSpPr>
-          <p:cNvPr id="3" name="Content Placeholder 2">
-            <a:extLst>
-              <a:ext uri="{FF2B5EF4-FFF2-40B4-BE49-F238E27FC236}">
-                <a16:creationId xmlns:a16="http://schemas.microsoft.com/office/drawing/2014/main" id="{9F0B238F-D754-4C6D-81B3-39D2568A74FA}"/>
-              </a:ext>
-            </a:extLst>
-          </p:cNvPr>
-          <p:cNvSpPr>
-            <a:spLocks noGrp="1"/>
-          </p:cNvSpPr>
-          <p:nvPr>
-            <p:ph idx="1"/>
-          </p:nvPr>
-        </p:nvSpPr>
-        <p:spPr/>
-        <p:txBody>
-          <a:bodyPr/>
-          <a:lstStyle/>
-          <a:p>
-            <a:r>
-              <a:rPr lang="en-ID" dirty="0" err="1"/>
-              <a:t>Algoritme</a:t>
-            </a:r>
-            <a:r>
-              <a:rPr lang="en-ID" dirty="0"/>
-              <a:t> Knuth-Morris-Pratt </a:t>
-            </a:r>
-            <a:r>
-              <a:rPr lang="en-ID" dirty="0" err="1"/>
-              <a:t>adalah</a:t>
-            </a:r>
-            <a:r>
-              <a:rPr lang="en-ID" dirty="0"/>
-              <a:t> salah </a:t>
-            </a:r>
-            <a:r>
-              <a:rPr lang="en-ID" dirty="0" err="1"/>
-              <a:t>satu</a:t>
-            </a:r>
-            <a:r>
-              <a:rPr lang="en-ID" dirty="0"/>
-              <a:t> </a:t>
-            </a:r>
-            <a:r>
-              <a:rPr lang="en-ID" dirty="0" err="1"/>
-              <a:t>algoritme</a:t>
-            </a:r>
-            <a:r>
-              <a:rPr lang="en-ID" dirty="0"/>
-              <a:t> </a:t>
-            </a:r>
-            <a:r>
-              <a:rPr lang="en-ID" dirty="0" err="1"/>
-              <a:t>pencarian</a:t>
-            </a:r>
-            <a:r>
-              <a:rPr lang="en-ID" dirty="0"/>
-              <a:t> string, </a:t>
-            </a:r>
-            <a:r>
-              <a:rPr lang="en-ID" dirty="0" err="1"/>
-              <a:t>dikembangkan</a:t>
-            </a:r>
-            <a:r>
-              <a:rPr lang="en-ID" dirty="0"/>
-              <a:t> </a:t>
-            </a:r>
-            <a:r>
-              <a:rPr lang="en-ID" dirty="0" err="1"/>
-              <a:t>secara</a:t>
-            </a:r>
-            <a:r>
-              <a:rPr lang="en-ID" dirty="0"/>
-              <a:t> </a:t>
-            </a:r>
-            <a:r>
-              <a:rPr lang="en-ID" dirty="0" err="1"/>
-              <a:t>terpisah</a:t>
-            </a:r>
-            <a:r>
-              <a:rPr lang="en-ID" dirty="0"/>
-              <a:t> oleh Donald E. Knuth pada </a:t>
-            </a:r>
-            <a:r>
-              <a:rPr lang="en-ID" dirty="0" err="1"/>
-              <a:t>tahun</a:t>
-            </a:r>
-            <a:r>
-              <a:rPr lang="en-ID" dirty="0"/>
-              <a:t> 1967 dan James H. Morris </a:t>
-            </a:r>
-            <a:r>
-              <a:rPr lang="en-ID" dirty="0" err="1"/>
-              <a:t>bersama</a:t>
-            </a:r>
-            <a:r>
-              <a:rPr lang="en-ID" dirty="0"/>
-              <a:t> Vaughan R. Pratt pada </a:t>
-            </a:r>
-            <a:r>
-              <a:rPr lang="en-ID" dirty="0" err="1"/>
-              <a:t>tahun</a:t>
-            </a:r>
-            <a:r>
-              <a:rPr lang="en-ID" dirty="0"/>
-              <a:t> 1966, </a:t>
-            </a:r>
-            <a:r>
-              <a:rPr lang="en-ID" dirty="0" err="1"/>
-              <a:t>namun</a:t>
-            </a:r>
-            <a:r>
-              <a:rPr lang="en-ID" dirty="0"/>
-              <a:t> </a:t>
-            </a:r>
-            <a:r>
-              <a:rPr lang="en-ID" dirty="0" err="1"/>
-              <a:t>keduanya</a:t>
-            </a:r>
-            <a:r>
-              <a:rPr lang="en-ID" dirty="0"/>
-              <a:t> </a:t>
-            </a:r>
-            <a:r>
-              <a:rPr lang="en-ID" dirty="0" err="1"/>
-              <a:t>mempublikasikannya</a:t>
-            </a:r>
-            <a:r>
-              <a:rPr lang="en-ID" dirty="0"/>
-              <a:t> </a:t>
-            </a:r>
-            <a:r>
-              <a:rPr lang="en-ID" dirty="0" err="1"/>
-              <a:t>secara</a:t>
-            </a:r>
-            <a:r>
-              <a:rPr lang="en-ID" dirty="0"/>
-              <a:t> </a:t>
-            </a:r>
-            <a:r>
-              <a:rPr lang="en-ID" dirty="0" err="1"/>
-              <a:t>bersamaan</a:t>
-            </a:r>
-            <a:r>
-              <a:rPr lang="en-ID" dirty="0"/>
-              <a:t> pada </a:t>
-            </a:r>
-            <a:r>
-              <a:rPr lang="en-ID" dirty="0" err="1"/>
-              <a:t>tahun</a:t>
-            </a:r>
-            <a:r>
-              <a:rPr lang="en-ID" dirty="0"/>
-              <a:t> 1977.</a:t>
-            </a:r>
-          </a:p>
-        </p:txBody>
-      </p:sp>
-    </p:spTree>
-    <p:extLst>
-      <p:ext uri="{BB962C8B-B14F-4D97-AF65-F5344CB8AC3E}">
-        <p14:creationId xmlns:p14="http://schemas.microsoft.com/office/powerpoint/2010/main" val="1755370614"/>
-      </p:ext>
-    </p:extLst>
-  </p:cSld>
-  <p:clrMapOvr>
-    <a:masterClrMapping/>
-  </p:clrMapOvr>
-</p:sld>
-</file>
-
 <file path=ppt/slides/slide3.xml><?xml version="1.0" encoding="utf-8"?>
 <p:sld xmlns:a="http://schemas.openxmlformats.org/drawingml/2006/main" xmlns:r="http://schemas.openxmlformats.org/officeDocument/2006/relationships" xmlns:p="http://schemas.openxmlformats.org/presentationml/2006/main">
   <p:cSld>
@@ -9138,14 +12555,6 @@
             <a:r>
               <a:rPr lang="en-US" dirty="0" err="1"/>
               <a:t>Paradigma</a:t>
-            </a:r>
-            <a:r>
-              <a:rPr lang="en-US" dirty="0"/>
-              <a:t> yang </a:t>
-            </a:r>
-            <a:r>
-              <a:rPr lang="en-US" dirty="0" err="1"/>
-              <a:t>mendasari</a:t>
             </a:r>
             <a:endParaRPr lang="en-ID" dirty="0"/>
           </a:p>
